--- a/slides/Summer book recommender.pptx
+++ b/slides/Summer book recommender.pptx
@@ -119,13 +119,18 @@
       </a:defRPr>
     </a:lvl9pPr>
   </p:defaultTextStyle>
+  <p:extLst>
+    <p:ext uri="{EFAFB233-063F-42B5-8137-9DF3F51BA10A}">
+      <p15:sldGuideLst xmlns:p15="http://schemas.microsoft.com/office/powerpoint/2012/main"/>
+    </p:ext>
+  </p:extLst>
 </p:presentation>
 </file>
 
 <file path=ppt/revisionInfo.xml><?xml version="1.0" encoding="utf-8"?>
 <p1510:revInfo xmlns:a="http://schemas.openxmlformats.org/drawingml/2006/main" xmlns:r="http://schemas.openxmlformats.org/officeDocument/2006/relationships" xmlns:p1510="http://schemas.microsoft.com/office/powerpoint/2015/10/main">
   <p1510:revLst>
-    <p1510:client id="{6588CF97-9EF5-4625-BBB1-C0C9EE52CBF5}" v="324" dt="2024-07-02T10:20:41.016"/>
+    <p1510:client id="{6588CF97-9EF5-4625-BBB1-C0C9EE52CBF5}" v="326" dt="2024-07-02T19:22:43.559"/>
   </p1510:revLst>
 </p1510:revInfo>
 </file>
@@ -135,7 +140,7 @@
   <pc:docChgLst>
     <pc:chgData name="Jordi Díaz" userId="ec2e2d7c8dfde141" providerId="LiveId" clId="{6588CF97-9EF5-4625-BBB1-C0C9EE52CBF5}"/>
     <pc:docChg chg="undo redo custSel addSld delSld modSld sldOrd">
-      <pc:chgData name="Jordi Díaz" userId="ec2e2d7c8dfde141" providerId="LiveId" clId="{6588CF97-9EF5-4625-BBB1-C0C9EE52CBF5}" dt="2024-07-02T14:18:10.034" v="1027" actId="20577"/>
+      <pc:chgData name="Jordi Díaz" userId="ec2e2d7c8dfde141" providerId="LiveId" clId="{6588CF97-9EF5-4625-BBB1-C0C9EE52CBF5}" dt="2024-07-02T19:22:54.744" v="1043" actId="20577"/>
       <pc:docMkLst>
         <pc:docMk/>
       </pc:docMkLst>
@@ -960,7 +965,7 @@
         </pc:sldMkLst>
       </pc:sldChg>
       <pc:sldChg chg="addSp delSp modSp new mod setBg">
-        <pc:chgData name="Jordi Díaz" userId="ec2e2d7c8dfde141" providerId="LiveId" clId="{6588CF97-9EF5-4625-BBB1-C0C9EE52CBF5}" dt="2024-07-02T14:15:49.592" v="1026" actId="20577"/>
+        <pc:chgData name="Jordi Díaz" userId="ec2e2d7c8dfde141" providerId="LiveId" clId="{6588CF97-9EF5-4625-BBB1-C0C9EE52CBF5}" dt="2024-07-02T19:22:54.744" v="1043" actId="20577"/>
         <pc:sldMkLst>
           <pc:docMk/>
           <pc:sldMk cId="1576430855" sldId="265"/>
@@ -974,7 +979,7 @@
           </ac:spMkLst>
         </pc:spChg>
         <pc:spChg chg="mod ord">
-          <ac:chgData name="Jordi Díaz" userId="ec2e2d7c8dfde141" providerId="LiveId" clId="{6588CF97-9EF5-4625-BBB1-C0C9EE52CBF5}" dt="2024-07-02T14:15:49.592" v="1026" actId="20577"/>
+          <ac:chgData name="Jordi Díaz" userId="ec2e2d7c8dfde141" providerId="LiveId" clId="{6588CF97-9EF5-4625-BBB1-C0C9EE52CBF5}" dt="2024-07-02T19:22:54.744" v="1043" actId="20577"/>
           <ac:spMkLst>
             <pc:docMk/>
             <pc:sldMk cId="1576430855" sldId="265"/>
@@ -1078,7 +1083,7 @@
           </ac:grpSpMkLst>
         </pc:grpChg>
         <pc:picChg chg="add mod">
-          <ac:chgData name="Jordi Díaz" userId="ec2e2d7c8dfde141" providerId="LiveId" clId="{6588CF97-9EF5-4625-BBB1-C0C9EE52CBF5}" dt="2024-07-01T14:06:02.930" v="614" actId="962"/>
+          <ac:chgData name="Jordi Díaz" userId="ec2e2d7c8dfde141" providerId="LiveId" clId="{6588CF97-9EF5-4625-BBB1-C0C9EE52CBF5}" dt="2024-07-02T19:22:43.558" v="1041" actId="1076"/>
           <ac:picMkLst>
             <pc:docMk/>
             <pc:sldMk cId="1576430855" sldId="265"/>
@@ -1375,7 +1380,7 @@
         </pc:spChg>
       </pc:sldChg>
       <pc:sldChg chg="addSp delSp modSp new mod modMedia setBg modClrScheme addAnim delAnim modAnim chgLayout">
-        <pc:chgData name="Jordi Díaz" userId="ec2e2d7c8dfde141" providerId="LiveId" clId="{6588CF97-9EF5-4625-BBB1-C0C9EE52CBF5}" dt="2024-07-01T15:08:51.323" v="998" actId="1076"/>
+        <pc:chgData name="Jordi Díaz" userId="ec2e2d7c8dfde141" providerId="LiveId" clId="{6588CF97-9EF5-4625-BBB1-C0C9EE52CBF5}" dt="2024-07-02T19:03:31.265" v="1031" actId="207"/>
         <pc:sldMkLst>
           <pc:docMk/>
           <pc:sldMk cId="555785174" sldId="274"/>
@@ -1413,7 +1418,7 @@
           </ac:spMkLst>
         </pc:spChg>
         <pc:spChg chg="add mod ord">
-          <ac:chgData name="Jordi Díaz" userId="ec2e2d7c8dfde141" providerId="LiveId" clId="{6588CF97-9EF5-4625-BBB1-C0C9EE52CBF5}" dt="2024-07-01T15:07:22.337" v="991" actId="27636"/>
+          <ac:chgData name="Jordi Díaz" userId="ec2e2d7c8dfde141" providerId="LiveId" clId="{6588CF97-9EF5-4625-BBB1-C0C9EE52CBF5}" dt="2024-07-02T19:03:31.265" v="1031" actId="207"/>
           <ac:spMkLst>
             <pc:docMk/>
             <pc:sldMk cId="555785174" sldId="274"/>
@@ -4437,7 +4442,7 @@
           <a:p>
             <a:fld id="{8152DCAC-0C0D-4666-8493-918846B8A121}" type="datetimeFigureOut">
               <a:rPr lang="en-GB" smtClean="0"/>
-              <a:t>01/07/2024</a:t>
+              <a:t>02/07/2024</a:t>
             </a:fld>
             <a:endParaRPr lang="en-GB"/>
           </a:p>
@@ -5901,7 +5906,7 @@
           <a:p>
             <a:fld id="{2226F221-021E-4DBB-AAF6-83A36A779EA4}" type="datetimeFigureOut">
               <a:rPr lang="es-ES" smtClean="0"/>
-              <a:t>01/07/2024</a:t>
+              <a:t>02/07/2024</a:t>
             </a:fld>
             <a:endParaRPr lang="es-ES"/>
           </a:p>
@@ -6099,7 +6104,7 @@
           <a:p>
             <a:fld id="{2226F221-021E-4DBB-AAF6-83A36A779EA4}" type="datetimeFigureOut">
               <a:rPr lang="es-ES" smtClean="0"/>
-              <a:t>01/07/2024</a:t>
+              <a:t>02/07/2024</a:t>
             </a:fld>
             <a:endParaRPr lang="es-ES"/>
           </a:p>
@@ -6307,7 +6312,7 @@
           <a:p>
             <a:fld id="{2226F221-021E-4DBB-AAF6-83A36A779EA4}" type="datetimeFigureOut">
               <a:rPr lang="es-ES" smtClean="0"/>
-              <a:t>01/07/2024</a:t>
+              <a:t>02/07/2024</a:t>
             </a:fld>
             <a:endParaRPr lang="es-ES"/>
           </a:p>
@@ -6505,7 +6510,7 @@
           <a:p>
             <a:fld id="{2226F221-021E-4DBB-AAF6-83A36A779EA4}" type="datetimeFigureOut">
               <a:rPr lang="es-ES" smtClean="0"/>
-              <a:t>01/07/2024</a:t>
+              <a:t>02/07/2024</a:t>
             </a:fld>
             <a:endParaRPr lang="es-ES"/>
           </a:p>
@@ -6780,7 +6785,7 @@
           <a:p>
             <a:fld id="{2226F221-021E-4DBB-AAF6-83A36A779EA4}" type="datetimeFigureOut">
               <a:rPr lang="es-ES" smtClean="0"/>
-              <a:t>01/07/2024</a:t>
+              <a:t>02/07/2024</a:t>
             </a:fld>
             <a:endParaRPr lang="es-ES"/>
           </a:p>
@@ -7045,7 +7050,7 @@
           <a:p>
             <a:fld id="{2226F221-021E-4DBB-AAF6-83A36A779EA4}" type="datetimeFigureOut">
               <a:rPr lang="es-ES" smtClean="0"/>
-              <a:t>01/07/2024</a:t>
+              <a:t>02/07/2024</a:t>
             </a:fld>
             <a:endParaRPr lang="es-ES"/>
           </a:p>
@@ -7457,7 +7462,7 @@
           <a:p>
             <a:fld id="{2226F221-021E-4DBB-AAF6-83A36A779EA4}" type="datetimeFigureOut">
               <a:rPr lang="es-ES" smtClean="0"/>
-              <a:t>01/07/2024</a:t>
+              <a:t>02/07/2024</a:t>
             </a:fld>
             <a:endParaRPr lang="es-ES"/>
           </a:p>
@@ -7598,7 +7603,7 @@
           <a:p>
             <a:fld id="{2226F221-021E-4DBB-AAF6-83A36A779EA4}" type="datetimeFigureOut">
               <a:rPr lang="es-ES" smtClean="0"/>
-              <a:t>01/07/2024</a:t>
+              <a:t>02/07/2024</a:t>
             </a:fld>
             <a:endParaRPr lang="es-ES"/>
           </a:p>
@@ -7711,7 +7716,7 @@
           <a:p>
             <a:fld id="{2226F221-021E-4DBB-AAF6-83A36A779EA4}" type="datetimeFigureOut">
               <a:rPr lang="es-ES" smtClean="0"/>
-              <a:t>01/07/2024</a:t>
+              <a:t>02/07/2024</a:t>
             </a:fld>
             <a:endParaRPr lang="es-ES"/>
           </a:p>
@@ -8022,7 +8027,7 @@
           <a:p>
             <a:fld id="{2226F221-021E-4DBB-AAF6-83A36A779EA4}" type="datetimeFigureOut">
               <a:rPr lang="es-ES" smtClean="0"/>
-              <a:t>01/07/2024</a:t>
+              <a:t>02/07/2024</a:t>
             </a:fld>
             <a:endParaRPr lang="es-ES"/>
           </a:p>
@@ -8310,7 +8315,7 @@
           <a:p>
             <a:fld id="{2226F221-021E-4DBB-AAF6-83A36A779EA4}" type="datetimeFigureOut">
               <a:rPr lang="es-ES" smtClean="0"/>
-              <a:t>01/07/2024</a:t>
+              <a:t>02/07/2024</a:t>
             </a:fld>
             <a:endParaRPr lang="es-ES"/>
           </a:p>
@@ -8551,7 +8556,7 @@
           <a:p>
             <a:fld id="{2226F221-021E-4DBB-AAF6-83A36A779EA4}" type="datetimeFigureOut">
               <a:rPr lang="es-ES" smtClean="0"/>
-              <a:t>01/07/2024</a:t>
+              <a:t>02/07/2024</a:t>
             </a:fld>
             <a:endParaRPr lang="es-ES"/>
           </a:p>
@@ -13018,8 +13023,40 @@
           </a:bodyPr>
           <a:lstStyle/>
           <a:p>
+            <a:pPr>
+              <a:lnSpc>
+                <a:spcPct val="100000"/>
+              </a:lnSpc>
+            </a:pPr>
+            <a:endParaRPr lang="en-US" b="0" i="0" kern="1200" dirty="0">
+              <a:solidFill>
+                <a:srgbClr val="FFFFFF"/>
+              </a:solidFill>
+              <a:effectLst/>
+              <a:latin typeface="Playfair Display" panose="00000500000000000000" pitchFamily="2" charset="0"/>
+            </a:endParaRPr>
+          </a:p>
+          <a:p>
+            <a:pPr>
+              <a:lnSpc>
+                <a:spcPct val="100000"/>
+              </a:lnSpc>
+            </a:pPr>
+            <a:endParaRPr lang="en-US" dirty="0">
+              <a:solidFill>
+                <a:srgbClr val="FFFFFF"/>
+              </a:solidFill>
+              <a:latin typeface="Playfair Display" panose="00000500000000000000" pitchFamily="2" charset="0"/>
+            </a:endParaRPr>
+          </a:p>
+          <a:p>
+            <a:pPr>
+              <a:lnSpc>
+                <a:spcPct val="100000"/>
+              </a:lnSpc>
+            </a:pPr>
             <a:r>
-              <a:rPr lang="en-US" sz="2800" b="0" i="0" kern="1200" dirty="0" err="1">
+              <a:rPr lang="en-US" b="0" i="0" kern="1200" dirty="0" err="1">
                 <a:solidFill>
                   <a:srgbClr val="FFFFFF"/>
                 </a:solidFill>
@@ -13029,7 +13066,7 @@
               <a:t>Streamlit</a:t>
             </a:r>
             <a:r>
-              <a:rPr lang="en-US" sz="2800" b="0" i="0" kern="1200" dirty="0">
+              <a:rPr lang="en-US" b="0" i="0" kern="1200" dirty="0">
                 <a:solidFill>
                   <a:srgbClr val="FFFFFF"/>
                 </a:solidFill>
@@ -13038,7 +13075,7 @@
               </a:rPr>
               <a:t> turns data scripts into shareable web apps in minutes.</a:t>
             </a:r>
-            <a:endParaRPr lang="en-US" sz="2800" b="0" i="0" dirty="0">
+            <a:endParaRPr lang="en-US" b="0" i="0" dirty="0">
               <a:solidFill>
                 <a:srgbClr val="FFFFFF"/>
               </a:solidFill>
@@ -13047,8 +13084,13 @@
             </a:endParaRPr>
           </a:p>
           <a:p>
+            <a:pPr>
+              <a:lnSpc>
+                <a:spcPct val="100000"/>
+              </a:lnSpc>
+            </a:pPr>
             <a:r>
-              <a:rPr lang="en-US" sz="2800" b="0" i="0" kern="1200" dirty="0">
+              <a:rPr lang="en-US" b="0" i="0" kern="1200" dirty="0">
                 <a:solidFill>
                   <a:srgbClr val="FFFFFF"/>
                 </a:solidFill>
@@ -13057,7 +13099,7 @@
               </a:rPr>
               <a:t>All in pure Python. No front‑end experience required</a:t>
             </a:r>
-            <a:endParaRPr lang="en-US" sz="2800" kern="1200" dirty="0">
+            <a:endParaRPr lang="en-US" kern="1200" dirty="0">
               <a:solidFill>
                 <a:srgbClr val="FFFFFF"/>
               </a:solidFill>
@@ -13094,7 +13136,7 @@
         </p:blipFill>
         <p:spPr bwMode="auto">
           <a:xfrm>
-            <a:off x="729276" y="1606192"/>
+            <a:off x="562616" y="1045754"/>
             <a:ext cx="6274979" cy="3670862"/>
           </a:xfrm>
           <a:prstGeom prst="rect">
@@ -13728,7 +13770,7 @@
                   </a:extLst>
                 </a:hlinkClick>
               </a:rPr>
-              <a:t>https://summerbookrecommender.streamlit.app/</a:t>
+              <a:t>https://summer-book-recommender.streamlit.app/</a:t>
             </a:r>
             <a:endParaRPr lang="en-GB" sz="3200" dirty="0">
               <a:solidFill>

--- a/slides/Summer book recommender.pptx
+++ b/slides/Summer book recommender.pptx
@@ -5,7 +5,7 @@
     <p:sldMasterId id="2147483648" r:id="rId1"/>
   </p:sldMasterIdLst>
   <p:notesMasterIdLst>
-    <p:notesMasterId r:id="rId15"/>
+    <p:notesMasterId r:id="rId14"/>
   </p:notesMasterIdLst>
   <p:sldIdLst>
     <p:sldId id="256" r:id="rId2"/>
@@ -13,14 +13,13 @@
     <p:sldId id="258" r:id="rId4"/>
     <p:sldId id="259" r:id="rId5"/>
     <p:sldId id="262" r:id="rId6"/>
-    <p:sldId id="275" r:id="rId7"/>
+    <p:sldId id="276" r:id="rId7"/>
     <p:sldId id="265" r:id="rId8"/>
-    <p:sldId id="273" r:id="rId9"/>
-    <p:sldId id="274" r:id="rId10"/>
-    <p:sldId id="271" r:id="rId11"/>
-    <p:sldId id="260" r:id="rId12"/>
-    <p:sldId id="261" r:id="rId13"/>
-    <p:sldId id="272" r:id="rId14"/>
+    <p:sldId id="274" r:id="rId9"/>
+    <p:sldId id="271" r:id="rId10"/>
+    <p:sldId id="260" r:id="rId11"/>
+    <p:sldId id="261" r:id="rId12"/>
+    <p:sldId id="272" r:id="rId13"/>
   </p:sldIdLst>
   <p:sldSz cx="12192000" cy="6858000"/>
   <p:notesSz cx="6858000" cy="9144000"/>
@@ -130,7 +129,7 @@
 <file path=ppt/revisionInfo.xml><?xml version="1.0" encoding="utf-8"?>
 <p1510:revInfo xmlns:a="http://schemas.openxmlformats.org/drawingml/2006/main" xmlns:r="http://schemas.openxmlformats.org/officeDocument/2006/relationships" xmlns:p1510="http://schemas.microsoft.com/office/powerpoint/2015/10/main">
   <p1510:revLst>
-    <p1510:client id="{6588CF97-9EF5-4625-BBB1-C0C9EE52CBF5}" v="326" dt="2024-07-02T19:22:43.559"/>
+    <p1510:client id="{6588CF97-9EF5-4625-BBB1-C0C9EE52CBF5}" v="329" dt="2024-07-04T08:32:19.712"/>
   </p1510:revLst>
 </p1510:revInfo>
 </file>
@@ -140,12 +139,12 @@
   <pc:docChgLst>
     <pc:chgData name="Jordi Díaz" userId="ec2e2d7c8dfde141" providerId="LiveId" clId="{6588CF97-9EF5-4625-BBB1-C0C9EE52CBF5}"/>
     <pc:docChg chg="undo redo custSel addSld delSld modSld sldOrd">
-      <pc:chgData name="Jordi Díaz" userId="ec2e2d7c8dfde141" providerId="LiveId" clId="{6588CF97-9EF5-4625-BBB1-C0C9EE52CBF5}" dt="2024-07-02T19:22:54.744" v="1043" actId="20577"/>
+      <pc:chgData name="Jordi Díaz" userId="ec2e2d7c8dfde141" providerId="LiveId" clId="{6588CF97-9EF5-4625-BBB1-C0C9EE52CBF5}" dt="2024-07-05T09:15:43.752" v="1167" actId="20577"/>
       <pc:docMkLst>
         <pc:docMk/>
       </pc:docMkLst>
-      <pc:sldChg chg="addSp delSp modSp mod modMedia setBg addAnim delAnim modAnim setClrOvrMap">
-        <pc:chgData name="Jordi Díaz" userId="ec2e2d7c8dfde141" providerId="LiveId" clId="{6588CF97-9EF5-4625-BBB1-C0C9EE52CBF5}" dt="2024-07-01T14:29:37.277" v="813" actId="26606"/>
+      <pc:sldChg chg="addSp delSp modSp mod modMedia setBg addAnim delAnim modAnim setClrOvrMap modNotesTx">
+        <pc:chgData name="Jordi Díaz" userId="ec2e2d7c8dfde141" providerId="LiveId" clId="{6588CF97-9EF5-4625-BBB1-C0C9EE52CBF5}" dt="2024-07-05T09:15:26.896" v="1163" actId="20577"/>
         <pc:sldMkLst>
           <pc:docMk/>
           <pc:sldMk cId="1069310766" sldId="256"/>
@@ -487,8 +486,8 @@
           </ac:cxnSpMkLst>
         </pc:cxnChg>
       </pc:sldChg>
-      <pc:sldChg chg="modSp mod">
-        <pc:chgData name="Jordi Díaz" userId="ec2e2d7c8dfde141" providerId="LiveId" clId="{6588CF97-9EF5-4625-BBB1-C0C9EE52CBF5}" dt="2024-07-02T07:06:11.406" v="1000" actId="20577"/>
+      <pc:sldChg chg="modSp mod modNotesTx">
+        <pc:chgData name="Jordi Díaz" userId="ec2e2d7c8dfde141" providerId="LiveId" clId="{6588CF97-9EF5-4625-BBB1-C0C9EE52CBF5}" dt="2024-07-05T09:15:29.508" v="1164" actId="20577"/>
         <pc:sldMkLst>
           <pc:docMk/>
           <pc:sldMk cId="227292377" sldId="257"/>
@@ -510,7 +509,7 @@
           </ac:spMkLst>
         </pc:spChg>
         <pc:graphicFrameChg chg="modGraphic">
-          <ac:chgData name="Jordi Díaz" userId="ec2e2d7c8dfde141" providerId="LiveId" clId="{6588CF97-9EF5-4625-BBB1-C0C9EE52CBF5}" dt="2024-07-01T13:51:59.975" v="424" actId="113"/>
+          <ac:chgData name="Jordi Díaz" userId="ec2e2d7c8dfde141" providerId="LiveId" clId="{6588CF97-9EF5-4625-BBB1-C0C9EE52CBF5}" dt="2024-07-03T13:47:22.918" v="1063" actId="113"/>
           <ac:graphicFrameMkLst>
             <pc:docMk/>
             <pc:sldMk cId="227292377" sldId="257"/>
@@ -518,8 +517,8 @@
           </ac:graphicFrameMkLst>
         </pc:graphicFrameChg>
       </pc:sldChg>
-      <pc:sldChg chg="addSp delSp modSp mod setBg modAnim">
-        <pc:chgData name="Jordi Díaz" userId="ec2e2d7c8dfde141" providerId="LiveId" clId="{6588CF97-9EF5-4625-BBB1-C0C9EE52CBF5}" dt="2024-07-01T14:36:42.063" v="849" actId="20577"/>
+      <pc:sldChg chg="addSp delSp modSp mod setBg modAnim modNotesTx">
+        <pc:chgData name="Jordi Díaz" userId="ec2e2d7c8dfde141" providerId="LiveId" clId="{6588CF97-9EF5-4625-BBB1-C0C9EE52CBF5}" dt="2024-07-04T08:15:26.565" v="1135" actId="20577"/>
         <pc:sldMkLst>
           <pc:docMk/>
           <pc:sldMk cId="1661042448" sldId="258"/>
@@ -589,8 +588,8 @@
           </ac:graphicFrameMkLst>
         </pc:graphicFrameChg>
       </pc:sldChg>
-      <pc:sldChg chg="addSp delSp modSp mod setBg">
-        <pc:chgData name="Jordi Díaz" userId="ec2e2d7c8dfde141" providerId="LiveId" clId="{6588CF97-9EF5-4625-BBB1-C0C9EE52CBF5}" dt="2024-07-01T14:40:31.129" v="878" actId="14100"/>
+      <pc:sldChg chg="addSp delSp modSp mod setBg modNotesTx">
+        <pc:chgData name="Jordi Díaz" userId="ec2e2d7c8dfde141" providerId="LiveId" clId="{6588CF97-9EF5-4625-BBB1-C0C9EE52CBF5}" dt="2024-07-04T08:15:31.507" v="1136" actId="20577"/>
         <pc:sldMkLst>
           <pc:docMk/>
           <pc:sldMk cId="2039981378" sldId="259"/>
@@ -637,7 +636,7 @@
         </pc:picChg>
       </pc:sldChg>
       <pc:sldChg chg="addSp delSp modSp mod setBg setClrOvrMap modNotesTx">
-        <pc:chgData name="Jordi Díaz" userId="ec2e2d7c8dfde141" providerId="LiveId" clId="{6588CF97-9EF5-4625-BBB1-C0C9EE52CBF5}" dt="2024-07-02T14:18:10.034" v="1027" actId="20577"/>
+        <pc:chgData name="Jordi Díaz" userId="ec2e2d7c8dfde141" providerId="LiveId" clId="{6588CF97-9EF5-4625-BBB1-C0C9EE52CBF5}" dt="2024-07-05T09:15:39.934" v="1166" actId="5793"/>
         <pc:sldMkLst>
           <pc:docMk/>
           <pc:sldMk cId="1061639198" sldId="260"/>
@@ -651,7 +650,7 @@
           </ac:spMkLst>
         </pc:spChg>
         <pc:spChg chg="add del mod">
-          <ac:chgData name="Jordi Díaz" userId="ec2e2d7c8dfde141" providerId="LiveId" clId="{6588CF97-9EF5-4625-BBB1-C0C9EE52CBF5}" dt="2024-07-02T10:31:31.934" v="1020" actId="20577"/>
+          <ac:chgData name="Jordi Díaz" userId="ec2e2d7c8dfde141" providerId="LiveId" clId="{6588CF97-9EF5-4625-BBB1-C0C9EE52CBF5}" dt="2024-07-03T13:38:00.529" v="1046" actId="20577"/>
           <ac:spMkLst>
             <pc:docMk/>
             <pc:sldMk cId="1061639198" sldId="260"/>
@@ -764,7 +763,7 @@
         </pc:picChg>
       </pc:sldChg>
       <pc:sldChg chg="addSp delSp modSp mod setBg modNotesTx">
-        <pc:chgData name="Jordi Díaz" userId="ec2e2d7c8dfde141" providerId="LiveId" clId="{6588CF97-9EF5-4625-BBB1-C0C9EE52CBF5}" dt="2024-07-02T10:28:34.883" v="1016" actId="20577"/>
+        <pc:chgData name="Jordi Díaz" userId="ec2e2d7c8dfde141" providerId="LiveId" clId="{6588CF97-9EF5-4625-BBB1-C0C9EE52CBF5}" dt="2024-07-05T09:15:43.752" v="1167" actId="20577"/>
         <pc:sldMkLst>
           <pc:docMk/>
           <pc:sldMk cId="3508603746" sldId="261"/>
@@ -842,8 +841,8 @@
           </ac:picMkLst>
         </pc:picChg>
       </pc:sldChg>
-      <pc:sldChg chg="addSp delSp modSp mod setBg modClrScheme chgLayout">
-        <pc:chgData name="Jordi Díaz" userId="ec2e2d7c8dfde141" providerId="LiveId" clId="{6588CF97-9EF5-4625-BBB1-C0C9EE52CBF5}" dt="2024-07-01T14:39:35.067" v="870" actId="1076"/>
+      <pc:sldChg chg="addSp delSp modSp mod setBg modClrScheme chgLayout modNotesTx">
+        <pc:chgData name="Jordi Díaz" userId="ec2e2d7c8dfde141" providerId="LiveId" clId="{6588CF97-9EF5-4625-BBB1-C0C9EE52CBF5}" dt="2024-07-04T08:15:34.693" v="1137" actId="20577"/>
         <pc:sldMkLst>
           <pc:docMk/>
           <pc:sldMk cId="1314190153" sldId="262"/>
@@ -1332,8 +1331,8 @@
           </ac:picMkLst>
         </pc:picChg>
       </pc:sldChg>
-      <pc:sldChg chg="addSp delSp modSp add mod ord">
-        <pc:chgData name="Jordi Díaz" userId="ec2e2d7c8dfde141" providerId="LiveId" clId="{6588CF97-9EF5-4625-BBB1-C0C9EE52CBF5}" dt="2024-07-01T14:52:13.778" v="955" actId="14100"/>
+      <pc:sldChg chg="addSp delSp modSp add del mod ord">
+        <pc:chgData name="Jordi Díaz" userId="ec2e2d7c8dfde141" providerId="LiveId" clId="{6588CF97-9EF5-4625-BBB1-C0C9EE52CBF5}" dt="2024-07-04T08:32:38.778" v="1149" actId="47"/>
         <pc:sldMkLst>
           <pc:docMk/>
           <pc:sldMk cId="3646023451" sldId="273"/>
@@ -1546,14 +1545,22 @@
           </ac:cxnSpMkLst>
         </pc:cxnChg>
       </pc:sldChg>
-      <pc:sldChg chg="addSp delSp modSp add mod setBg delDesignElem">
-        <pc:chgData name="Jordi Díaz" userId="ec2e2d7c8dfde141" providerId="LiveId" clId="{6588CF97-9EF5-4625-BBB1-C0C9EE52CBF5}" dt="2024-07-02T10:22:12.411" v="1014" actId="1076"/>
+      <pc:sldChg chg="addSp delSp modSp add del mod setBg delDesignElem modNotesTx">
+        <pc:chgData name="Jordi Díaz" userId="ec2e2d7c8dfde141" providerId="LiveId" clId="{6588CF97-9EF5-4625-BBB1-C0C9EE52CBF5}" dt="2024-07-04T08:32:26.042" v="1148" actId="47"/>
         <pc:sldMkLst>
           <pc:docMk/>
           <pc:sldMk cId="798223643" sldId="275"/>
         </pc:sldMkLst>
-        <pc:spChg chg="mod">
-          <ac:chgData name="Jordi Díaz" userId="ec2e2d7c8dfde141" providerId="LiveId" clId="{6588CF97-9EF5-4625-BBB1-C0C9EE52CBF5}" dt="2024-07-02T10:22:12.411" v="1014" actId="1076"/>
+        <pc:spChg chg="add mod">
+          <ac:chgData name="Jordi Díaz" userId="ec2e2d7c8dfde141" providerId="LiveId" clId="{6588CF97-9EF5-4625-BBB1-C0C9EE52CBF5}" dt="2024-07-04T08:32:17.077" v="1145" actId="21"/>
+          <ac:spMkLst>
+            <pc:docMk/>
+            <pc:sldMk cId="798223643" sldId="275"/>
+            <ac:spMk id="4" creationId="{B80E36E4-8CA1-A192-75C1-2BCF581B4383}"/>
+          </ac:spMkLst>
+        </pc:spChg>
+        <pc:spChg chg="del mod">
+          <ac:chgData name="Jordi Díaz" userId="ec2e2d7c8dfde141" providerId="LiveId" clId="{6588CF97-9EF5-4625-BBB1-C0C9EE52CBF5}" dt="2024-07-04T08:32:17.077" v="1145" actId="21"/>
           <ac:spMkLst>
             <pc:docMk/>
             <pc:sldMk cId="798223643" sldId="275"/>
@@ -1568,8 +1575,8 @@
             <ac:grpSpMk id="24" creationId="{1FD67D68-9B83-C338-8342-3348D8F22347}"/>
           </ac:grpSpMkLst>
         </pc:grpChg>
-        <pc:picChg chg="add mod modCrop">
-          <ac:chgData name="Jordi Díaz" userId="ec2e2d7c8dfde141" providerId="LiveId" clId="{6588CF97-9EF5-4625-BBB1-C0C9EE52CBF5}" dt="2024-07-02T10:22:03.128" v="1013" actId="732"/>
+        <pc:picChg chg="add del mod modCrop">
+          <ac:chgData name="Jordi Díaz" userId="ec2e2d7c8dfde141" providerId="LiveId" clId="{6588CF97-9EF5-4625-BBB1-C0C9EE52CBF5}" dt="2024-07-04T08:32:17.077" v="1145" actId="21"/>
           <ac:picMkLst>
             <pc:docMk/>
             <pc:sldMk cId="798223643" sldId="275"/>
@@ -1591,6 +1598,68 @@
           <pc:docMk/>
           <pc:sldMk cId="2856114041" sldId="275"/>
         </pc:sldMkLst>
+      </pc:sldChg>
+      <pc:sldChg chg="delSp add del setBg delDesignElem">
+        <pc:chgData name="Jordi Díaz" userId="ec2e2d7c8dfde141" providerId="LiveId" clId="{6588CF97-9EF5-4625-BBB1-C0C9EE52CBF5}" dt="2024-07-04T08:30:11.841" v="1141" actId="47"/>
+        <pc:sldMkLst>
+          <pc:docMk/>
+          <pc:sldMk cId="543353662" sldId="276"/>
+        </pc:sldMkLst>
+        <pc:grpChg chg="del">
+          <ac:chgData name="Jordi Díaz" userId="ec2e2d7c8dfde141" providerId="LiveId" clId="{6588CF97-9EF5-4625-BBB1-C0C9EE52CBF5}" dt="2024-07-04T08:30:05.871" v="1140"/>
+          <ac:grpSpMkLst>
+            <pc:docMk/>
+            <pc:sldMk cId="543353662" sldId="276"/>
+            <ac:grpSpMk id="24" creationId="{1FD67D68-9B83-C338-8342-3348D8F22347}"/>
+          </ac:grpSpMkLst>
+        </pc:grpChg>
+      </pc:sldChg>
+      <pc:sldChg chg="addSp delSp modSp add mod">
+        <pc:chgData name="Jordi Díaz" userId="ec2e2d7c8dfde141" providerId="LiveId" clId="{6588CF97-9EF5-4625-BBB1-C0C9EE52CBF5}" dt="2024-07-05T06:39:51.140" v="1162" actId="27636"/>
+        <pc:sldMkLst>
+          <pc:docMk/>
+          <pc:sldMk cId="3159825224" sldId="276"/>
+        </pc:sldMkLst>
+        <pc:spChg chg="add del mod">
+          <ac:chgData name="Jordi Díaz" userId="ec2e2d7c8dfde141" providerId="LiveId" clId="{6588CF97-9EF5-4625-BBB1-C0C9EE52CBF5}" dt="2024-07-04T08:32:23.546" v="1147" actId="478"/>
+          <ac:spMkLst>
+            <pc:docMk/>
+            <pc:sldMk cId="3159825224" sldId="276"/>
+            <ac:spMk id="3" creationId="{E2F0C093-5AE1-EA7C-4751-26125B87E047}"/>
+          </ac:spMkLst>
+        </pc:spChg>
+        <pc:spChg chg="add mod">
+          <ac:chgData name="Jordi Díaz" userId="ec2e2d7c8dfde141" providerId="LiveId" clId="{6588CF97-9EF5-4625-BBB1-C0C9EE52CBF5}" dt="2024-07-05T06:39:51.140" v="1162" actId="27636"/>
+          <ac:spMkLst>
+            <pc:docMk/>
+            <pc:sldMk cId="3159825224" sldId="276"/>
+            <ac:spMk id="4" creationId="{A7EEA1C5-7397-BD4E-14EA-052C266F43EF}"/>
+          </ac:spMkLst>
+        </pc:spChg>
+        <pc:spChg chg="del">
+          <ac:chgData name="Jordi Díaz" userId="ec2e2d7c8dfde141" providerId="LiveId" clId="{6588CF97-9EF5-4625-BBB1-C0C9EE52CBF5}" dt="2024-07-04T08:32:05.188" v="1144" actId="478"/>
+          <ac:spMkLst>
+            <pc:docMk/>
+            <pc:sldMk cId="3159825224" sldId="276"/>
+            <ac:spMk id="12" creationId="{A7EEA1C5-7397-BD4E-14EA-052C266F43EF}"/>
+          </ac:spMkLst>
+        </pc:spChg>
+        <pc:picChg chg="add mod">
+          <ac:chgData name="Jordi Díaz" userId="ec2e2d7c8dfde141" providerId="LiveId" clId="{6588CF97-9EF5-4625-BBB1-C0C9EE52CBF5}" dt="2024-07-04T08:32:19.712" v="1146"/>
+          <ac:picMkLst>
+            <pc:docMk/>
+            <pc:sldMk cId="3159825224" sldId="276"/>
+            <ac:picMk id="5" creationId="{7E449C5B-EC58-B092-3323-CB437F68161E}"/>
+          </ac:picMkLst>
+        </pc:picChg>
+        <pc:picChg chg="del">
+          <ac:chgData name="Jordi Díaz" userId="ec2e2d7c8dfde141" providerId="LiveId" clId="{6588CF97-9EF5-4625-BBB1-C0C9EE52CBF5}" dt="2024-07-04T08:31:57.564" v="1143" actId="478"/>
+          <ac:picMkLst>
+            <pc:docMk/>
+            <pc:sldMk cId="3159825224" sldId="276"/>
+            <ac:picMk id="11" creationId="{9CBC1AD9-DA85-12D2-6391-92C7AB9D0C4B}"/>
+          </ac:picMkLst>
+        </pc:picChg>
       </pc:sldChg>
     </pc:docChg>
   </pc:docChgLst>
@@ -4442,7 +4511,7 @@
           <a:p>
             <a:fld id="{8152DCAC-0C0D-4666-8493-918846B8A121}" type="datetimeFigureOut">
               <a:rPr lang="en-GB" smtClean="0"/>
-              <a:t>02/07/2024</a:t>
+              <a:t>03/07/2024</a:t>
             </a:fld>
             <a:endParaRPr lang="en-GB"/>
           </a:p>
@@ -4754,83 +4823,33 @@
           <a:bodyPr/>
           <a:lstStyle/>
           <a:p>
-            <a:pPr algn="l">
-              <a:buFont typeface="Arial" panose="020B0604020202020204" pitchFamily="34" charset="0"/>
-              <a:buChar char="•"/>
+            <a:pPr marL="0" marR="0" lvl="0" indent="0" algn="l" defTabSz="914400" rtl="0" eaLnBrk="1" fontAlgn="auto" latinLnBrk="0" hangingPunct="1">
+              <a:lnSpc>
+                <a:spcPct val="100000"/>
+              </a:lnSpc>
+              <a:spcBef>
+                <a:spcPts val="0"/>
+              </a:spcBef>
+              <a:spcAft>
+                <a:spcPts val="0"/>
+              </a:spcAft>
+              <a:buClrTx/>
+              <a:buSzTx/>
+              <a:buFontTx/>
+              <a:buNone/>
+              <a:tabLst/>
+              <a:defRPr/>
             </a:pPr>
-            <a:r>
-              <a:rPr lang="en-US" b="0" i="0" dirty="0">
-                <a:solidFill>
-                  <a:srgbClr val="000000"/>
-                </a:solidFill>
-                <a:effectLst/>
-                <a:highlight>
-                  <a:srgbClr val="FFFFFF"/>
-                </a:highlight>
-                <a:latin typeface="Inter"/>
-              </a:rPr>
-              <a:t>Which topic did you choose and why?</a:t>
-            </a:r>
-          </a:p>
-          <a:p>
-            <a:pPr algn="l">
-              <a:buFont typeface="Arial" panose="020B0604020202020204" pitchFamily="34" charset="0"/>
-              <a:buChar char="•"/>
-            </a:pPr>
-            <a:r>
-              <a:rPr lang="en-US" b="0" i="0" dirty="0">
-                <a:solidFill>
-                  <a:srgbClr val="000000"/>
-                </a:solidFill>
-                <a:effectLst/>
-                <a:highlight>
-                  <a:srgbClr val="FFFFFF"/>
-                </a:highlight>
-                <a:latin typeface="Inter"/>
-              </a:rPr>
-              <a:t>Briefly describe the original dataset and the hypothesis you formulated.</a:t>
-            </a:r>
-          </a:p>
-          <a:p>
-            <a:pPr algn="l">
-              <a:buFont typeface="Arial" panose="020B0604020202020204" pitchFamily="34" charset="0"/>
-              <a:buChar char="•"/>
-            </a:pPr>
-            <a:r>
-              <a:rPr lang="en-US" b="0" i="0" dirty="0">
-                <a:solidFill>
-                  <a:srgbClr val="000000"/>
-                </a:solidFill>
-                <a:effectLst/>
-                <a:highlight>
-                  <a:srgbClr val="FFFFFF"/>
-                </a:highlight>
-                <a:latin typeface="Inter"/>
-              </a:rPr>
-              <a:t>Explain the structure and process of your data cleaning and analysis.</a:t>
-            </a:r>
-          </a:p>
-          <a:p>
-            <a:pPr algn="l">
-              <a:buFont typeface="Arial" panose="020B0604020202020204" pitchFamily="34" charset="0"/>
-              <a:buChar char="•"/>
-            </a:pPr>
-            <a:r>
-              <a:rPr lang="en-US" b="0" i="0" dirty="0">
-                <a:solidFill>
-                  <a:srgbClr val="000000"/>
-                </a:solidFill>
-                <a:effectLst/>
-                <a:highlight>
-                  <a:srgbClr val="FFFFFF"/>
-                </a:highlight>
-                <a:latin typeface="Inter"/>
-              </a:rPr>
-              <a:t>Highlight any unique data cleaning techniques or methods you’ve employed.</a:t>
-            </a:r>
-          </a:p>
-          <a:p>
-            <a:endParaRPr lang="en-GB" dirty="0"/>
+            <a:endParaRPr lang="en-US" b="0" i="0" dirty="0">
+              <a:solidFill>
+                <a:srgbClr val="000000"/>
+              </a:solidFill>
+              <a:effectLst/>
+              <a:highlight>
+                <a:srgbClr val="FFFFFF"/>
+              </a:highlight>
+              <a:latin typeface="Inter"/>
+            </a:endParaRPr>
           </a:p>
         </p:txBody>
       </p:sp>
@@ -4851,7 +4870,7 @@
           <a:p>
             <a:fld id="{D728126E-41B0-4A2A-AB38-F5E07CFBE09E}" type="slidenum">
               <a:rPr lang="en-GB" smtClean="0"/>
-              <a:t>2</a:t>
+              <a:t>1</a:t>
             </a:fld>
             <a:endParaRPr lang="en-GB"/>
           </a:p>
@@ -4860,7 +4879,7 @@
     </p:spTree>
     <p:extLst>
       <p:ext uri="{BB962C8B-B14F-4D97-AF65-F5344CB8AC3E}">
-        <p14:creationId xmlns:p14="http://schemas.microsoft.com/office/powerpoint/2010/main" val="4007794322"/>
+        <p14:creationId xmlns:p14="http://schemas.microsoft.com/office/powerpoint/2010/main" val="3769925576"/>
       </p:ext>
     </p:extLst>
   </p:cSld>
@@ -4914,63 +4933,6 @@
           <a:bodyPr/>
           <a:lstStyle/>
           <a:p>
-            <a:pPr algn="l">
-              <a:buFont typeface="Arial" panose="020B0604020202020204" pitchFamily="34" charset="0"/>
-              <a:buChar char="•"/>
-            </a:pPr>
-            <a:r>
-              <a:rPr lang="en-US" b="0" i="0" dirty="0">
-                <a:solidFill>
-                  <a:srgbClr val="000000"/>
-                </a:solidFill>
-                <a:effectLst/>
-                <a:highlight>
-                  <a:srgbClr val="FFFFFF"/>
-                </a:highlight>
-                <a:latin typeface="Inter"/>
-              </a:rPr>
-              <a:t>Discuss the significant data cleaning challenges you encountered (missing data, duplicates, formatting issues, etc.).</a:t>
-            </a:r>
-          </a:p>
-          <a:p>
-            <a:pPr algn="l">
-              <a:buFont typeface="Arial" panose="020B0604020202020204" pitchFamily="34" charset="0"/>
-              <a:buChar char="•"/>
-            </a:pPr>
-            <a:r>
-              <a:rPr lang="en-US" b="0" i="0" dirty="0">
-                <a:solidFill>
-                  <a:srgbClr val="000000"/>
-                </a:solidFill>
-                <a:effectLst/>
-                <a:highlight>
-                  <a:srgbClr val="FFFFFF"/>
-                </a:highlight>
-                <a:latin typeface="Inter"/>
-              </a:rPr>
-              <a:t>Explain how you used APIs and web scraping to collect and enrich your dataset.</a:t>
-            </a:r>
-          </a:p>
-          <a:p>
-            <a:pPr algn="l">
-              <a:buFont typeface="Arial" panose="020B0604020202020204" pitchFamily="34" charset="0"/>
-              <a:buChar char="•"/>
-            </a:pPr>
-            <a:r>
-              <a:rPr lang="en-US" b="0" i="0" dirty="0">
-                <a:solidFill>
-                  <a:srgbClr val="000000"/>
-                </a:solidFill>
-                <a:effectLst/>
-                <a:highlight>
-                  <a:srgbClr val="FFFFFF"/>
-                </a:highlight>
-                <a:latin typeface="Inter"/>
-              </a:rPr>
-              <a:t>Explain how you resolved these challenges.</a:t>
-            </a:r>
-          </a:p>
-          <a:p>
             <a:endParaRPr lang="en-GB" dirty="0"/>
           </a:p>
         </p:txBody>
@@ -4992,7 +4954,7 @@
           <a:p>
             <a:fld id="{D728126E-41B0-4A2A-AB38-F5E07CFBE09E}" type="slidenum">
               <a:rPr lang="en-GB" smtClean="0"/>
-              <a:t>3</a:t>
+              <a:t>2</a:t>
             </a:fld>
             <a:endParaRPr lang="en-GB"/>
           </a:p>
@@ -5001,7 +4963,7 @@
     </p:spTree>
     <p:extLst>
       <p:ext uri="{BB962C8B-B14F-4D97-AF65-F5344CB8AC3E}">
-        <p14:creationId xmlns:p14="http://schemas.microsoft.com/office/powerpoint/2010/main" val="120901075"/>
+        <p14:creationId xmlns:p14="http://schemas.microsoft.com/office/powerpoint/2010/main" val="4007794322"/>
       </p:ext>
     </p:extLst>
   </p:cSld>
@@ -5055,44 +5017,6 @@
           <a:bodyPr/>
           <a:lstStyle/>
           <a:p>
-            <a:pPr algn="l">
-              <a:buFont typeface="Arial" panose="020B0604020202020204" pitchFamily="34" charset="0"/>
-              <a:buChar char="•"/>
-            </a:pPr>
-            <a:r>
-              <a:rPr lang="en-US" b="0" i="0" dirty="0">
-                <a:solidFill>
-                  <a:srgbClr val="000000"/>
-                </a:solidFill>
-                <a:effectLst/>
-                <a:highlight>
-                  <a:srgbClr val="FFFFFF"/>
-                </a:highlight>
-                <a:latin typeface="Inter"/>
-              </a:rPr>
-              <a:t>Discuss the exploratory data analysis methods you used.</a:t>
-            </a:r>
-          </a:p>
-          <a:p>
-            <a:pPr algn="l">
-              <a:buFont typeface="Arial" panose="020B0604020202020204" pitchFamily="34" charset="0"/>
-              <a:buChar char="•"/>
-            </a:pPr>
-            <a:r>
-              <a:rPr lang="en-US" b="0" i="0" dirty="0">
-                <a:solidFill>
-                  <a:srgbClr val="000000"/>
-                </a:solidFill>
-                <a:effectLst/>
-                <a:highlight>
-                  <a:srgbClr val="FFFFFF"/>
-                </a:highlight>
-                <a:latin typeface="Inter"/>
-              </a:rPr>
-              <a:t>Share insights and interesting patterns you found.</a:t>
-            </a:r>
-          </a:p>
-          <a:p>
             <a:endParaRPr lang="en-GB" dirty="0"/>
           </a:p>
         </p:txBody>
@@ -5114,7 +5038,7 @@
           <a:p>
             <a:fld id="{D728126E-41B0-4A2A-AB38-F5E07CFBE09E}" type="slidenum">
               <a:rPr lang="en-GB" smtClean="0"/>
-              <a:t>4</a:t>
+              <a:t>3</a:t>
             </a:fld>
             <a:endParaRPr lang="en-GB"/>
           </a:p>
@@ -5123,7 +5047,7 @@
     </p:spTree>
     <p:extLst>
       <p:ext uri="{BB962C8B-B14F-4D97-AF65-F5344CB8AC3E}">
-        <p14:creationId xmlns:p14="http://schemas.microsoft.com/office/powerpoint/2010/main" val="3944182276"/>
+        <p14:creationId xmlns:p14="http://schemas.microsoft.com/office/powerpoint/2010/main" val="120901075"/>
       </p:ext>
     </p:extLst>
   </p:cSld>
@@ -5177,44 +5101,6 @@
           <a:bodyPr/>
           <a:lstStyle/>
           <a:p>
-            <a:pPr algn="l">
-              <a:buFont typeface="Arial" panose="020B0604020202020204" pitchFamily="34" charset="0"/>
-              <a:buChar char="•"/>
-            </a:pPr>
-            <a:r>
-              <a:rPr lang="en-US" b="0" i="0" dirty="0">
-                <a:solidFill>
-                  <a:srgbClr val="000000"/>
-                </a:solidFill>
-                <a:effectLst/>
-                <a:highlight>
-                  <a:srgbClr val="FFFFFF"/>
-                </a:highlight>
-                <a:latin typeface="Inter"/>
-              </a:rPr>
-              <a:t>Discuss the exploratory data analysis methods you used.</a:t>
-            </a:r>
-          </a:p>
-          <a:p>
-            <a:pPr algn="l">
-              <a:buFont typeface="Arial" panose="020B0604020202020204" pitchFamily="34" charset="0"/>
-              <a:buChar char="•"/>
-            </a:pPr>
-            <a:r>
-              <a:rPr lang="en-US" b="0" i="0" dirty="0">
-                <a:solidFill>
-                  <a:srgbClr val="000000"/>
-                </a:solidFill>
-                <a:effectLst/>
-                <a:highlight>
-                  <a:srgbClr val="FFFFFF"/>
-                </a:highlight>
-                <a:latin typeface="Inter"/>
-              </a:rPr>
-              <a:t>Share insights and interesting patterns you found.</a:t>
-            </a:r>
-          </a:p>
-          <a:p>
             <a:endParaRPr lang="en-GB" dirty="0"/>
           </a:p>
         </p:txBody>
@@ -5236,7 +5122,7 @@
           <a:p>
             <a:fld id="{D728126E-41B0-4A2A-AB38-F5E07CFBE09E}" type="slidenum">
               <a:rPr lang="en-GB" smtClean="0"/>
-              <a:t>5</a:t>
+              <a:t>4</a:t>
             </a:fld>
             <a:endParaRPr lang="en-GB"/>
           </a:p>
@@ -5245,7 +5131,7 @@
     </p:spTree>
     <p:extLst>
       <p:ext uri="{BB962C8B-B14F-4D97-AF65-F5344CB8AC3E}">
-        <p14:creationId xmlns:p14="http://schemas.microsoft.com/office/powerpoint/2010/main" val="506913073"/>
+        <p14:creationId xmlns:p14="http://schemas.microsoft.com/office/powerpoint/2010/main" val="3944182276"/>
       </p:ext>
     </p:extLst>
   </p:cSld>
@@ -5299,44 +5185,6 @@
           <a:bodyPr/>
           <a:lstStyle/>
           <a:p>
-            <a:pPr algn="l">
-              <a:buFont typeface="Arial" panose="020B0604020202020204" pitchFamily="34" charset="0"/>
-              <a:buChar char="•"/>
-            </a:pPr>
-            <a:r>
-              <a:rPr lang="en-US" b="0" i="0" dirty="0">
-                <a:solidFill>
-                  <a:srgbClr val="000000"/>
-                </a:solidFill>
-                <a:effectLst/>
-                <a:highlight>
-                  <a:srgbClr val="FFFFFF"/>
-                </a:highlight>
-                <a:latin typeface="Inter"/>
-              </a:rPr>
-              <a:t>Discuss the exploratory data analysis methods you used.</a:t>
-            </a:r>
-          </a:p>
-          <a:p>
-            <a:pPr algn="l">
-              <a:buFont typeface="Arial" panose="020B0604020202020204" pitchFamily="34" charset="0"/>
-              <a:buChar char="•"/>
-            </a:pPr>
-            <a:r>
-              <a:rPr lang="en-US" b="0" i="0" dirty="0">
-                <a:solidFill>
-                  <a:srgbClr val="000000"/>
-                </a:solidFill>
-                <a:effectLst/>
-                <a:highlight>
-                  <a:srgbClr val="FFFFFF"/>
-                </a:highlight>
-                <a:latin typeface="Inter"/>
-              </a:rPr>
-              <a:t>Share insights and interesting patterns you found.</a:t>
-            </a:r>
-          </a:p>
-          <a:p>
             <a:endParaRPr lang="en-GB" dirty="0"/>
           </a:p>
         </p:txBody>
@@ -5358,7 +5206,7 @@
           <a:p>
             <a:fld id="{D728126E-41B0-4A2A-AB38-F5E07CFBE09E}" type="slidenum">
               <a:rPr lang="en-GB" smtClean="0"/>
-              <a:t>6</a:t>
+              <a:t>5</a:t>
             </a:fld>
             <a:endParaRPr lang="en-GB"/>
           </a:p>
@@ -5367,7 +5215,7 @@
     </p:spTree>
     <p:extLst>
       <p:ext uri="{BB962C8B-B14F-4D97-AF65-F5344CB8AC3E}">
-        <p14:creationId xmlns:p14="http://schemas.microsoft.com/office/powerpoint/2010/main" val="3212703155"/>
+        <p14:creationId xmlns:p14="http://schemas.microsoft.com/office/powerpoint/2010/main" val="506913073"/>
       </p:ext>
     </p:extLst>
   </p:cSld>
@@ -5442,7 +5290,7 @@
           <a:p>
             <a:fld id="{D728126E-41B0-4A2A-AB38-F5E07CFBE09E}" type="slidenum">
               <a:rPr lang="en-GB" smtClean="0"/>
-              <a:t>7</a:t>
+              <a:t>6</a:t>
             </a:fld>
             <a:endParaRPr lang="en-GB"/>
           </a:p>
@@ -5451,7 +5299,7 @@
     </p:spTree>
     <p:extLst>
       <p:ext uri="{BB962C8B-B14F-4D97-AF65-F5344CB8AC3E}">
-        <p14:creationId xmlns:p14="http://schemas.microsoft.com/office/powerpoint/2010/main" val="240437926"/>
+        <p14:creationId xmlns:p14="http://schemas.microsoft.com/office/powerpoint/2010/main" val="1344617430"/>
       </p:ext>
     </p:extLst>
   </p:cSld>
@@ -5505,61 +5353,7 @@
           <a:bodyPr/>
           <a:lstStyle/>
           <a:p>
-            <a:pPr algn="l">
-              <a:buFont typeface="Arial" panose="020B0604020202020204" pitchFamily="34" charset="0"/>
-              <a:buChar char="•"/>
-            </a:pPr>
-            <a:r>
-              <a:rPr lang="en-US" b="0" i="0" dirty="0">
-                <a:solidFill>
-                  <a:srgbClr val="000000"/>
-                </a:solidFill>
-                <a:effectLst/>
-                <a:highlight>
-                  <a:srgbClr val="FFFFFF"/>
-                </a:highlight>
-                <a:latin typeface="Inter"/>
-              </a:rPr>
-              <a:t>Discuss the biggest obstacle or mistake you encountered during this project.</a:t>
-            </a:r>
-          </a:p>
-          <a:p>
-            <a:pPr algn="l">
-              <a:buFont typeface="Arial" panose="020B0604020202020204" pitchFamily="34" charset="0"/>
-              <a:buChar char="•"/>
-            </a:pPr>
-            <a:r>
-              <a:rPr lang="en-US" b="0" i="0" dirty="0">
-                <a:solidFill>
-                  <a:srgbClr val="000000"/>
-                </a:solidFill>
-                <a:effectLst/>
-                <a:highlight>
-                  <a:srgbClr val="FFFFFF"/>
-                </a:highlight>
-                <a:latin typeface="Inter"/>
-              </a:rPr>
-              <a:t>Share what you learned from it and how it influenced your project.</a:t>
-            </a:r>
-          </a:p>
-          <a:p>
-            <a:pPr algn="l">
-              <a:buFont typeface="Arial" panose="020B0604020202020204" pitchFamily="34" charset="0"/>
-              <a:buChar char="•"/>
-            </a:pPr>
-            <a:r>
-              <a:rPr lang="en-US" b="0" i="0" dirty="0">
-                <a:solidFill>
-                  <a:srgbClr val="000000"/>
-                </a:solidFill>
-                <a:effectLst/>
-                <a:highlight>
-                  <a:srgbClr val="FFFFFF"/>
-                </a:highlight>
-                <a:latin typeface="Inter"/>
-              </a:rPr>
-              <a:t>Is there anything you would do differently in hindsight?</a:t>
-            </a:r>
+            <a:endParaRPr lang="en-GB" dirty="0"/>
           </a:p>
         </p:txBody>
       </p:sp>
@@ -5580,7 +5374,7 @@
           <a:p>
             <a:fld id="{D728126E-41B0-4A2A-AB38-F5E07CFBE09E}" type="slidenum">
               <a:rPr lang="en-GB" smtClean="0"/>
-              <a:t>11</a:t>
+              <a:t>7</a:t>
             </a:fld>
             <a:endParaRPr lang="en-GB"/>
           </a:p>
@@ -5589,7 +5383,7 @@
     </p:spTree>
     <p:extLst>
       <p:ext uri="{BB962C8B-B14F-4D97-AF65-F5344CB8AC3E}">
-        <p14:creationId xmlns:p14="http://schemas.microsoft.com/office/powerpoint/2010/main" val="1025159074"/>
+        <p14:creationId xmlns:p14="http://schemas.microsoft.com/office/powerpoint/2010/main" val="240437926"/>
       </p:ext>
     </p:extLst>
   </p:cSld>
@@ -5645,81 +5439,18 @@
           <a:p>
             <a:pPr algn="l">
               <a:buFont typeface="Arial" panose="020B0604020202020204" pitchFamily="34" charset="0"/>
-              <a:buChar char="•"/>
+              <a:buNone/>
             </a:pPr>
-            <a:r>
-              <a:rPr lang="en-US" b="0" i="0" dirty="0">
-                <a:solidFill>
-                  <a:srgbClr val="000000"/>
-                </a:solidFill>
-                <a:effectLst/>
-                <a:highlight>
-                  <a:srgbClr val="FFFFFF"/>
-                </a:highlight>
-                <a:latin typeface="Inter"/>
-              </a:rPr>
-              <a:t>Discuss whether your initial hypothesis was supported or refuted.</a:t>
-            </a:r>
-          </a:p>
-          <a:p>
-            <a:pPr algn="l">
-              <a:buFont typeface="Arial" panose="020B0604020202020204" pitchFamily="34" charset="0"/>
-              <a:buChar char="•"/>
-            </a:pPr>
-            <a:r>
-              <a:rPr lang="en-US" b="0" i="0" dirty="0">
-                <a:solidFill>
-                  <a:srgbClr val="000000"/>
-                </a:solidFill>
-                <a:effectLst/>
-                <a:highlight>
-                  <a:srgbClr val="FFFFFF"/>
-                </a:highlight>
-                <a:latin typeface="Inter"/>
-              </a:rPr>
-              <a:t>Share main learnings and any surprising insights or findings.</a:t>
-            </a:r>
-          </a:p>
-          <a:p>
-            <a:pPr algn="l">
-              <a:buFont typeface="Arial" panose="020B0604020202020204" pitchFamily="34" charset="0"/>
-              <a:buChar char="•"/>
-            </a:pPr>
-            <a:r>
-              <a:rPr lang="en-US" b="0" i="0" dirty="0">
-                <a:solidFill>
-                  <a:srgbClr val="000000"/>
-                </a:solidFill>
-                <a:effectLst/>
-                <a:highlight>
-                  <a:srgbClr val="FFFFFF"/>
-                </a:highlight>
-                <a:latin typeface="Inter"/>
-              </a:rPr>
-              <a:t>Discuss potential implications of your findings.</a:t>
-            </a:r>
-          </a:p>
-          <a:p>
-            <a:pPr algn="l">
-              <a:buFont typeface="Arial" panose="020B0604020202020204" pitchFamily="34" charset="0"/>
-              <a:buChar char="•"/>
-            </a:pPr>
-            <a:r>
-              <a:rPr lang="en-US" b="0" i="0" dirty="0">
-                <a:solidFill>
-                  <a:srgbClr val="000000"/>
-                </a:solidFill>
-                <a:effectLst/>
-                <a:highlight>
-                  <a:srgbClr val="FFFFFF"/>
-                </a:highlight>
-                <a:latin typeface="Inter"/>
-              </a:rPr>
-              <a:t>Where there any questions you couldn’t answer?</a:t>
-            </a:r>
-          </a:p>
-          <a:p>
-            <a:endParaRPr lang="en-GB" dirty="0"/>
+            <a:endParaRPr lang="en-US" b="0" i="0" dirty="0">
+              <a:solidFill>
+                <a:srgbClr val="000000"/>
+              </a:solidFill>
+              <a:effectLst/>
+              <a:highlight>
+                <a:srgbClr val="FFFFFF"/>
+              </a:highlight>
+              <a:latin typeface="Inter"/>
+            </a:endParaRPr>
           </a:p>
         </p:txBody>
       </p:sp>
@@ -5740,7 +5471,91 @@
           <a:p>
             <a:fld id="{D728126E-41B0-4A2A-AB38-F5E07CFBE09E}" type="slidenum">
               <a:rPr lang="en-GB" smtClean="0"/>
-              <a:t>12</a:t>
+              <a:t>10</a:t>
+            </a:fld>
+            <a:endParaRPr lang="en-GB"/>
+          </a:p>
+        </p:txBody>
+      </p:sp>
+    </p:spTree>
+    <p:extLst>
+      <p:ext uri="{BB962C8B-B14F-4D97-AF65-F5344CB8AC3E}">
+        <p14:creationId xmlns:p14="http://schemas.microsoft.com/office/powerpoint/2010/main" val="1025159074"/>
+      </p:ext>
+    </p:extLst>
+  </p:cSld>
+  <p:clrMapOvr>
+    <a:masterClrMapping/>
+  </p:clrMapOvr>
+</p:notes>
+</file>
+
+<file path=ppt/notesSlides/notesSlide9.xml><?xml version="1.0" encoding="utf-8"?>
+<p:notes xmlns:a="http://schemas.openxmlformats.org/drawingml/2006/main" xmlns:r="http://schemas.openxmlformats.org/officeDocument/2006/relationships" xmlns:p="http://schemas.openxmlformats.org/presentationml/2006/main">
+  <p:cSld>
+    <p:spTree>
+      <p:nvGrpSpPr>
+        <p:cNvPr id="1" name=""/>
+        <p:cNvGrpSpPr/>
+        <p:nvPr/>
+      </p:nvGrpSpPr>
+      <p:grpSpPr>
+        <a:xfrm>
+          <a:off x="0" y="0"/>
+          <a:ext cx="0" cy="0"/>
+          <a:chOff x="0" y="0"/>
+          <a:chExt cx="0" cy="0"/>
+        </a:xfrm>
+      </p:grpSpPr>
+      <p:sp>
+        <p:nvSpPr>
+          <p:cNvPr id="2" name="Marcador de imagen de diapositiva 1"/>
+          <p:cNvSpPr>
+            <a:spLocks noGrp="1" noRot="1" noChangeAspect="1"/>
+          </p:cNvSpPr>
+          <p:nvPr>
+            <p:ph type="sldImg"/>
+          </p:nvPr>
+        </p:nvSpPr>
+        <p:spPr/>
+      </p:sp>
+      <p:sp>
+        <p:nvSpPr>
+          <p:cNvPr id="3" name="Marcador de notas 2"/>
+          <p:cNvSpPr>
+            <a:spLocks noGrp="1"/>
+          </p:cNvSpPr>
+          <p:nvPr>
+            <p:ph type="body" idx="1"/>
+          </p:nvPr>
+        </p:nvSpPr>
+        <p:spPr/>
+        <p:txBody>
+          <a:bodyPr/>
+          <a:lstStyle/>
+          <a:p>
+            <a:endParaRPr lang="en-GB" dirty="0"/>
+          </a:p>
+        </p:txBody>
+      </p:sp>
+      <p:sp>
+        <p:nvSpPr>
+          <p:cNvPr id="4" name="Marcador de número de diapositiva 3"/>
+          <p:cNvSpPr>
+            <a:spLocks noGrp="1"/>
+          </p:cNvSpPr>
+          <p:nvPr>
+            <p:ph type="sldNum" sz="quarter" idx="5"/>
+          </p:nvPr>
+        </p:nvSpPr>
+        <p:spPr/>
+        <p:txBody>
+          <a:bodyPr/>
+          <a:lstStyle/>
+          <a:p>
+            <a:fld id="{D728126E-41B0-4A2A-AB38-F5E07CFBE09E}" type="slidenum">
+              <a:rPr lang="en-GB" smtClean="0"/>
+              <a:t>11</a:t>
             </a:fld>
             <a:endParaRPr lang="en-GB"/>
           </a:p>
@@ -5906,7 +5721,7 @@
           <a:p>
             <a:fld id="{2226F221-021E-4DBB-AAF6-83A36A779EA4}" type="datetimeFigureOut">
               <a:rPr lang="es-ES" smtClean="0"/>
-              <a:t>02/07/2024</a:t>
+              <a:t>03/07/2024</a:t>
             </a:fld>
             <a:endParaRPr lang="es-ES"/>
           </a:p>
@@ -6104,7 +5919,7 @@
           <a:p>
             <a:fld id="{2226F221-021E-4DBB-AAF6-83A36A779EA4}" type="datetimeFigureOut">
               <a:rPr lang="es-ES" smtClean="0"/>
-              <a:t>02/07/2024</a:t>
+              <a:t>03/07/2024</a:t>
             </a:fld>
             <a:endParaRPr lang="es-ES"/>
           </a:p>
@@ -6312,7 +6127,7 @@
           <a:p>
             <a:fld id="{2226F221-021E-4DBB-AAF6-83A36A779EA4}" type="datetimeFigureOut">
               <a:rPr lang="es-ES" smtClean="0"/>
-              <a:t>02/07/2024</a:t>
+              <a:t>03/07/2024</a:t>
             </a:fld>
             <a:endParaRPr lang="es-ES"/>
           </a:p>
@@ -6510,7 +6325,7 @@
           <a:p>
             <a:fld id="{2226F221-021E-4DBB-AAF6-83A36A779EA4}" type="datetimeFigureOut">
               <a:rPr lang="es-ES" smtClean="0"/>
-              <a:t>02/07/2024</a:t>
+              <a:t>03/07/2024</a:t>
             </a:fld>
             <a:endParaRPr lang="es-ES"/>
           </a:p>
@@ -6785,7 +6600,7 @@
           <a:p>
             <a:fld id="{2226F221-021E-4DBB-AAF6-83A36A779EA4}" type="datetimeFigureOut">
               <a:rPr lang="es-ES" smtClean="0"/>
-              <a:t>02/07/2024</a:t>
+              <a:t>03/07/2024</a:t>
             </a:fld>
             <a:endParaRPr lang="es-ES"/>
           </a:p>
@@ -7050,7 +6865,7 @@
           <a:p>
             <a:fld id="{2226F221-021E-4DBB-AAF6-83A36A779EA4}" type="datetimeFigureOut">
               <a:rPr lang="es-ES" smtClean="0"/>
-              <a:t>02/07/2024</a:t>
+              <a:t>03/07/2024</a:t>
             </a:fld>
             <a:endParaRPr lang="es-ES"/>
           </a:p>
@@ -7462,7 +7277,7 @@
           <a:p>
             <a:fld id="{2226F221-021E-4DBB-AAF6-83A36A779EA4}" type="datetimeFigureOut">
               <a:rPr lang="es-ES" smtClean="0"/>
-              <a:t>02/07/2024</a:t>
+              <a:t>03/07/2024</a:t>
             </a:fld>
             <a:endParaRPr lang="es-ES"/>
           </a:p>
@@ -7603,7 +7418,7 @@
           <a:p>
             <a:fld id="{2226F221-021E-4DBB-AAF6-83A36A779EA4}" type="datetimeFigureOut">
               <a:rPr lang="es-ES" smtClean="0"/>
-              <a:t>02/07/2024</a:t>
+              <a:t>03/07/2024</a:t>
             </a:fld>
             <a:endParaRPr lang="es-ES"/>
           </a:p>
@@ -7716,7 +7531,7 @@
           <a:p>
             <a:fld id="{2226F221-021E-4DBB-AAF6-83A36A779EA4}" type="datetimeFigureOut">
               <a:rPr lang="es-ES" smtClean="0"/>
-              <a:t>02/07/2024</a:t>
+              <a:t>03/07/2024</a:t>
             </a:fld>
             <a:endParaRPr lang="es-ES"/>
           </a:p>
@@ -8027,7 +7842,7 @@
           <a:p>
             <a:fld id="{2226F221-021E-4DBB-AAF6-83A36A779EA4}" type="datetimeFigureOut">
               <a:rPr lang="es-ES" smtClean="0"/>
-              <a:t>02/07/2024</a:t>
+              <a:t>03/07/2024</a:t>
             </a:fld>
             <a:endParaRPr lang="es-ES"/>
           </a:p>
@@ -8315,7 +8130,7 @@
           <a:p>
             <a:fld id="{2226F221-021E-4DBB-AAF6-83A36A779EA4}" type="datetimeFigureOut">
               <a:rPr lang="es-ES" smtClean="0"/>
-              <a:t>02/07/2024</a:t>
+              <a:t>03/07/2024</a:t>
             </a:fld>
             <a:endParaRPr lang="es-ES"/>
           </a:p>
@@ -8556,7 +8371,7 @@
           <a:p>
             <a:fld id="{2226F221-021E-4DBB-AAF6-83A36A779EA4}" type="datetimeFigureOut">
               <a:rPr lang="es-ES" smtClean="0"/>
-              <a:t>02/07/2024</a:t>
+              <a:t>03/07/2024</a:t>
             </a:fld>
             <a:endParaRPr lang="es-ES"/>
           </a:p>
@@ -9056,7 +8871,7 @@
           <p:nvPr/>
         </p:nvPicPr>
         <p:blipFill rotWithShape="1">
-          <a:blip r:embed="rId2">
+          <a:blip r:embed="rId3">
             <a:extLst>
               <a:ext uri="{28A0092B-C50C-407E-A947-70E740481C1C}">
                 <a14:useLocalDpi xmlns:a14="http://schemas.microsoft.com/office/drawing/2010/main" val="0"/>
@@ -9291,482 +9106,6 @@
 </file>
 
 <file path=ppt/slides/slide10.xml><?xml version="1.0" encoding="utf-8"?>
-<p:sld xmlns:a="http://schemas.openxmlformats.org/drawingml/2006/main" xmlns:r="http://schemas.openxmlformats.org/officeDocument/2006/relationships" xmlns:p="http://schemas.openxmlformats.org/presentationml/2006/main">
-  <p:cSld>
-    <p:bg>
-      <p:bgPr>
-        <a:solidFill>
-          <a:schemeClr val="bg1"/>
-        </a:solidFill>
-        <a:effectLst/>
-      </p:bgPr>
-    </p:bg>
-    <p:spTree>
-      <p:nvGrpSpPr>
-        <p:cNvPr id="1" name=""/>
-        <p:cNvGrpSpPr/>
-        <p:nvPr/>
-      </p:nvGrpSpPr>
-      <p:grpSpPr>
-        <a:xfrm>
-          <a:off x="0" y="0"/>
-          <a:ext cx="0" cy="0"/>
-          <a:chOff x="0" y="0"/>
-          <a:chExt cx="0" cy="0"/>
-        </a:xfrm>
-      </p:grpSpPr>
-      <p:sp useBgFill="1">
-        <p:nvSpPr>
-          <p:cNvPr id="13" name="Rectangle 12">
-            <a:extLst>
-              <a:ext uri="{FF2B5EF4-FFF2-40B4-BE49-F238E27FC236}">
-                <a16:creationId xmlns:a16="http://schemas.microsoft.com/office/drawing/2014/main" id="{53B021B3-DE93-4AB7-8A18-CF5F1CED88B8}"/>
-              </a:ext>
-              <a:ext uri="{C183D7F6-B498-43B3-948B-1728B52AA6E4}">
-                <adec:decorative xmlns:adec="http://schemas.microsoft.com/office/drawing/2017/decorative" val="1"/>
-              </a:ext>
-            </a:extLst>
-          </p:cNvPr>
-          <p:cNvSpPr>
-            <a:spLocks noGrp="1" noRot="1" noChangeAspect="1" noMove="1" noResize="1" noEditPoints="1" noAdjustHandles="1" noChangeArrowheads="1" noChangeShapeType="1" noTextEdit="1"/>
-          </p:cNvSpPr>
-          <p:nvPr>
-            <p:extLst>
-              <p:ext uri="{386F3935-93C4-4BCD-93E2-E3B085C9AB24}">
-                <p16:designElem xmlns:p16="http://schemas.microsoft.com/office/powerpoint/2015/main" val="1"/>
-              </p:ext>
-            </p:extLst>
-          </p:nvPr>
-        </p:nvSpPr>
-        <p:spPr>
-          <a:xfrm>
-            <a:off x="0" y="0"/>
-            <a:ext cx="12192000" cy="6858000"/>
-          </a:xfrm>
-          <a:prstGeom prst="rect">
-            <a:avLst/>
-          </a:prstGeom>
-          <a:ln>
-            <a:noFill/>
-          </a:ln>
-        </p:spPr>
-        <p:style>
-          <a:lnRef idx="2">
-            <a:schemeClr val="accent1">
-              <a:shade val="50000"/>
-            </a:schemeClr>
-          </a:lnRef>
-          <a:fillRef idx="1">
-            <a:schemeClr val="accent1"/>
-          </a:fillRef>
-          <a:effectRef idx="0">
-            <a:schemeClr val="accent1"/>
-          </a:effectRef>
-          <a:fontRef idx="minor">
-            <a:schemeClr val="lt1"/>
-          </a:fontRef>
-        </p:style>
-        <p:txBody>
-          <a:bodyPr rtlCol="0" anchor="ctr"/>
-          <a:lstStyle/>
-          <a:p>
-            <a:pPr algn="ctr"/>
-            <a:endParaRPr lang="en-US"/>
-          </a:p>
-        </p:txBody>
-      </p:sp>
-      <p:sp>
-        <p:nvSpPr>
-          <p:cNvPr id="2" name="Título 1">
-            <a:extLst>
-              <a:ext uri="{FF2B5EF4-FFF2-40B4-BE49-F238E27FC236}">
-                <a16:creationId xmlns:a16="http://schemas.microsoft.com/office/drawing/2014/main" id="{84C29D87-B515-AA68-4A2E-1938F9D1E4F1}"/>
-              </a:ext>
-            </a:extLst>
-          </p:cNvPr>
-          <p:cNvSpPr>
-            <a:spLocks noGrp="1"/>
-          </p:cNvSpPr>
-          <p:nvPr>
-            <p:ph type="title"/>
-          </p:nvPr>
-        </p:nvSpPr>
-        <p:spPr>
-          <a:xfrm>
-            <a:off x="841248" y="256032"/>
-            <a:ext cx="10506456" cy="1014984"/>
-          </a:xfrm>
-        </p:spPr>
-        <p:txBody>
-          <a:bodyPr vert="horz" lIns="91440" tIns="45720" rIns="91440" bIns="45720" rtlCol="0" anchor="b">
-            <a:normAutofit/>
-          </a:bodyPr>
-          <a:lstStyle/>
-          <a:p>
-            <a:r>
-              <a:rPr lang="en-US" dirty="0">
-                <a:latin typeface="Playfair Display" panose="00000500000000000000" pitchFamily="2" charset="0"/>
-              </a:rPr>
-              <a:t>Pros and cons of </a:t>
-            </a:r>
-            <a:r>
-              <a:rPr lang="en-US" dirty="0" err="1">
-                <a:latin typeface="Playfair Display" panose="00000500000000000000" pitchFamily="2" charset="0"/>
-              </a:rPr>
-              <a:t>Streamlit</a:t>
-            </a:r>
-            <a:endParaRPr lang="en-US" kern="1200" dirty="0">
-              <a:solidFill>
-                <a:schemeClr val="tx1"/>
-              </a:solidFill>
-              <a:latin typeface="Playfair Display" panose="00000500000000000000" pitchFamily="2" charset="0"/>
-            </a:endParaRPr>
-          </a:p>
-        </p:txBody>
-      </p:sp>
-      <p:sp>
-        <p:nvSpPr>
-          <p:cNvPr id="15" name="Rectangle 14">
-            <a:extLst>
-              <a:ext uri="{FF2B5EF4-FFF2-40B4-BE49-F238E27FC236}">
-                <a16:creationId xmlns:a16="http://schemas.microsoft.com/office/drawing/2014/main" id="{52D502E5-F6B4-4D58-B4AE-FC466FF15EE8}"/>
-              </a:ext>
-              <a:ext uri="{C183D7F6-B498-43B3-948B-1728B52AA6E4}">
-                <adec:decorative xmlns:adec="http://schemas.microsoft.com/office/drawing/2017/decorative" val="1"/>
-              </a:ext>
-            </a:extLst>
-          </p:cNvPr>
-          <p:cNvSpPr>
-            <a:spLocks noGrp="1" noRot="1" noChangeAspect="1" noMove="1" noResize="1" noEditPoints="1" noAdjustHandles="1" noChangeArrowheads="1" noChangeShapeType="1" noTextEdit="1"/>
-          </p:cNvSpPr>
-          <p:nvPr>
-            <p:extLst>
-              <p:ext uri="{386F3935-93C4-4BCD-93E2-E3B085C9AB24}">
-                <p16:designElem xmlns:p16="http://schemas.microsoft.com/office/powerpoint/2015/main" val="1"/>
-              </p:ext>
-            </p:extLst>
-          </p:nvPr>
-        </p:nvSpPr>
-        <p:spPr>
-          <a:xfrm>
-            <a:off x="865953" y="1634502"/>
-            <a:ext cx="10451592" cy="18288"/>
-          </a:xfrm>
-          <a:prstGeom prst="rect">
-            <a:avLst/>
-          </a:prstGeom>
-          <a:solidFill>
-            <a:srgbClr val="D5D5D5"/>
-          </a:solidFill>
-          <a:ln w="3175">
-            <a:noFill/>
-          </a:ln>
-          <a:effectLst/>
-        </p:spPr>
-        <p:style>
-          <a:lnRef idx="2">
-            <a:schemeClr val="accent1">
-              <a:shade val="50000"/>
-            </a:schemeClr>
-          </a:lnRef>
-          <a:fillRef idx="1">
-            <a:schemeClr val="accent1"/>
-          </a:fillRef>
-          <a:effectRef idx="0">
-            <a:schemeClr val="accent1"/>
-          </a:effectRef>
-          <a:fontRef idx="minor">
-            <a:schemeClr val="lt1"/>
-          </a:fontRef>
-        </p:style>
-        <p:txBody>
-          <a:bodyPr rtlCol="0" anchor="ctr"/>
-          <a:lstStyle/>
-          <a:p>
-            <a:pPr algn="ctr"/>
-            <a:endParaRPr lang="en-US">
-              <a:solidFill>
-                <a:prstClr val="white"/>
-              </a:solidFill>
-              <a:latin typeface="Calibri" panose="020F0502020204030204"/>
-            </a:endParaRPr>
-          </a:p>
-        </p:txBody>
-      </p:sp>
-      <p:sp>
-        <p:nvSpPr>
-          <p:cNvPr id="17" name="Rectangle 16">
-            <a:extLst>
-              <a:ext uri="{FF2B5EF4-FFF2-40B4-BE49-F238E27FC236}">
-                <a16:creationId xmlns:a16="http://schemas.microsoft.com/office/drawing/2014/main" id="{9DECDBF4-02B6-4BB4-B65B-B8107AD6A9E8}"/>
-              </a:ext>
-              <a:ext uri="{C183D7F6-B498-43B3-948B-1728B52AA6E4}">
-                <adec:decorative xmlns:adec="http://schemas.microsoft.com/office/drawing/2017/decorative" val="1"/>
-              </a:ext>
-            </a:extLst>
-          </p:cNvPr>
-          <p:cNvSpPr>
-            <a:spLocks noGrp="1" noRot="1" noChangeAspect="1" noMove="1" noResize="1" noEditPoints="1" noAdjustHandles="1" noChangeArrowheads="1" noChangeShapeType="1" noTextEdit="1"/>
-          </p:cNvSpPr>
-          <p:nvPr>
-            <p:extLst>
-              <p:ext uri="{386F3935-93C4-4BCD-93E2-E3B085C9AB24}">
-                <p16:designElem xmlns:p16="http://schemas.microsoft.com/office/powerpoint/2015/main" val="1"/>
-              </p:ext>
-            </p:extLst>
-          </p:nvPr>
-        </p:nvSpPr>
-        <p:spPr>
-          <a:xfrm flipV="1">
-            <a:off x="841248" y="1538176"/>
-            <a:ext cx="1873457" cy="109814"/>
-          </a:xfrm>
-          <a:prstGeom prst="rect">
-            <a:avLst/>
-          </a:prstGeom>
-          <a:solidFill>
-            <a:schemeClr val="accent2"/>
-          </a:solidFill>
-          <a:ln>
-            <a:noFill/>
-          </a:ln>
-        </p:spPr>
-        <p:style>
-          <a:lnRef idx="2">
-            <a:schemeClr val="accent1">
-              <a:shade val="50000"/>
-            </a:schemeClr>
-          </a:lnRef>
-          <a:fillRef idx="1">
-            <a:schemeClr val="accent1"/>
-          </a:fillRef>
-          <a:effectRef idx="0">
-            <a:schemeClr val="accent1"/>
-          </a:effectRef>
-          <a:fontRef idx="minor">
-            <a:schemeClr val="lt1"/>
-          </a:fontRef>
-        </p:style>
-        <p:txBody>
-          <a:bodyPr rtlCol="0" anchor="ctr"/>
-          <a:lstStyle/>
-          <a:p>
-            <a:pPr algn="ctr"/>
-            <a:endParaRPr lang="en-US">
-              <a:solidFill>
-                <a:prstClr val="white"/>
-              </a:solidFill>
-              <a:latin typeface="Calibri" panose="020F0502020204030204"/>
-            </a:endParaRPr>
-          </a:p>
-        </p:txBody>
-      </p:sp>
-      <p:sp>
-        <p:nvSpPr>
-          <p:cNvPr id="5" name="Rectángulo: esquinas redondeadas 4">
-            <a:extLst>
-              <a:ext uri="{FF2B5EF4-FFF2-40B4-BE49-F238E27FC236}">
-                <a16:creationId xmlns:a16="http://schemas.microsoft.com/office/drawing/2014/main" id="{381373A9-9511-D343-9EDA-E72B54B41D3E}"/>
-              </a:ext>
-            </a:extLst>
-          </p:cNvPr>
-          <p:cNvSpPr/>
-          <p:nvPr/>
-        </p:nvSpPr>
-        <p:spPr>
-          <a:xfrm>
-            <a:off x="6365624" y="2005754"/>
-            <a:ext cx="4988176" cy="4198547"/>
-          </a:xfrm>
-          <a:prstGeom prst="roundRect">
-            <a:avLst/>
-          </a:prstGeom>
-        </p:spPr>
-        <p:style>
-          <a:lnRef idx="1">
-            <a:schemeClr val="accent2"/>
-          </a:lnRef>
-          <a:fillRef idx="2">
-            <a:schemeClr val="accent2"/>
-          </a:fillRef>
-          <a:effectRef idx="1">
-            <a:schemeClr val="accent2"/>
-          </a:effectRef>
-          <a:fontRef idx="minor">
-            <a:schemeClr val="dk1"/>
-          </a:fontRef>
-        </p:style>
-        <p:txBody>
-          <a:bodyPr rtlCol="0" anchor="t"/>
-          <a:lstStyle/>
-          <a:p>
-            <a:pPr marL="322326" indent="-322326" defTabSz="859536">
-              <a:lnSpc>
-                <a:spcPct val="150000"/>
-              </a:lnSpc>
-              <a:spcAft>
-                <a:spcPts val="600"/>
-              </a:spcAft>
-              <a:buFont typeface="Arial" panose="020B0604020202020204" pitchFamily="34" charset="0"/>
-              <a:buChar char="•"/>
-            </a:pPr>
-            <a:r>
-              <a:rPr lang="en-US" sz="2256" kern="1200">
-                <a:solidFill>
-                  <a:schemeClr val="dk1"/>
-                </a:solidFill>
-                <a:latin typeface="+mn-lt"/>
-                <a:ea typeface="+mn-ea"/>
-                <a:cs typeface="+mn-cs"/>
-              </a:rPr>
-              <a:t>Greater complexity and therefore probably more time you will invest</a:t>
-            </a:r>
-          </a:p>
-          <a:p>
-            <a:pPr marL="322326" indent="-322326" defTabSz="859536">
-              <a:lnSpc>
-                <a:spcPct val="150000"/>
-              </a:lnSpc>
-              <a:spcAft>
-                <a:spcPts val="600"/>
-              </a:spcAft>
-              <a:buFont typeface="Arial" panose="020B0604020202020204" pitchFamily="34" charset="0"/>
-              <a:buChar char="•"/>
-            </a:pPr>
-            <a:r>
-              <a:rPr lang="en-US" sz="2256" kern="1200">
-                <a:solidFill>
-                  <a:schemeClr val="dk1"/>
-                </a:solidFill>
-                <a:latin typeface="+mn-lt"/>
-                <a:ea typeface="+mn-ea"/>
-                <a:cs typeface="+mn-cs"/>
-              </a:rPr>
-              <a:t>Possible problems linking GITHUD and STREAMLIT</a:t>
-            </a:r>
-          </a:p>
-          <a:p>
-            <a:pPr marL="342900" indent="-342900">
-              <a:lnSpc>
-                <a:spcPct val="150000"/>
-              </a:lnSpc>
-              <a:spcAft>
-                <a:spcPts val="600"/>
-              </a:spcAft>
-              <a:buFont typeface="Arial" panose="020B0604020202020204" pitchFamily="34" charset="0"/>
-              <a:buChar char="•"/>
-            </a:pPr>
-            <a:endParaRPr lang="en-US" sz="2400"/>
-          </a:p>
-        </p:txBody>
-      </p:sp>
-      <p:sp>
-        <p:nvSpPr>
-          <p:cNvPr id="8" name="Rectángulo: esquinas redondeadas 7">
-            <a:extLst>
-              <a:ext uri="{FF2B5EF4-FFF2-40B4-BE49-F238E27FC236}">
-                <a16:creationId xmlns:a16="http://schemas.microsoft.com/office/drawing/2014/main" id="{25576004-740A-2970-1EF3-D9B6609A8CDE}"/>
-              </a:ext>
-            </a:extLst>
-          </p:cNvPr>
-          <p:cNvSpPr/>
-          <p:nvPr/>
-        </p:nvSpPr>
-        <p:spPr>
-          <a:xfrm>
-            <a:off x="838200" y="2005754"/>
-            <a:ext cx="4988176" cy="4198547"/>
-          </a:xfrm>
-          <a:prstGeom prst="roundRect">
-            <a:avLst/>
-          </a:prstGeom>
-          <a:solidFill>
-            <a:schemeClr val="accent6">
-              <a:lumMod val="40000"/>
-              <a:lumOff val="60000"/>
-            </a:schemeClr>
-          </a:solidFill>
-        </p:spPr>
-        <p:style>
-          <a:lnRef idx="1">
-            <a:schemeClr val="accent2"/>
-          </a:lnRef>
-          <a:fillRef idx="2">
-            <a:schemeClr val="accent2"/>
-          </a:fillRef>
-          <a:effectRef idx="1">
-            <a:schemeClr val="accent2"/>
-          </a:effectRef>
-          <a:fontRef idx="minor">
-            <a:schemeClr val="dk1"/>
-          </a:fontRef>
-        </p:style>
-        <p:txBody>
-          <a:bodyPr rtlCol="0" anchor="t"/>
-          <a:lstStyle/>
-          <a:p>
-            <a:pPr marL="322326" indent="-322326" defTabSz="859536">
-              <a:lnSpc>
-                <a:spcPct val="150000"/>
-              </a:lnSpc>
-              <a:spcAft>
-                <a:spcPts val="600"/>
-              </a:spcAft>
-              <a:buFont typeface="Arial" panose="020B0604020202020204" pitchFamily="34" charset="0"/>
-              <a:buChar char="•"/>
-            </a:pPr>
-            <a:r>
-              <a:rPr lang="en-US" sz="2256" kern="1200" dirty="0">
-                <a:solidFill>
-                  <a:schemeClr val="dk1"/>
-                </a:solidFill>
-                <a:latin typeface="+mn-lt"/>
-                <a:ea typeface="+mn-ea"/>
-                <a:cs typeface="+mn-cs"/>
-              </a:rPr>
-              <a:t>STREAMLIT is a very useful tool if you want to make an interactive dashboard instead of using TABLEAU</a:t>
-            </a:r>
-          </a:p>
-          <a:p>
-            <a:pPr marL="322326" indent="-322326" defTabSz="859536">
-              <a:lnSpc>
-                <a:spcPct val="150000"/>
-              </a:lnSpc>
-              <a:spcAft>
-                <a:spcPts val="600"/>
-              </a:spcAft>
-              <a:buFont typeface="Arial" panose="020B0604020202020204" pitchFamily="34" charset="0"/>
-              <a:buChar char="•"/>
-            </a:pPr>
-            <a:r>
-              <a:rPr lang="en-US" sz="2256" kern="1200" dirty="0">
-                <a:solidFill>
-                  <a:schemeClr val="dk1"/>
-                </a:solidFill>
-                <a:latin typeface="+mn-lt"/>
-                <a:ea typeface="+mn-ea"/>
-                <a:cs typeface="+mn-cs"/>
-              </a:rPr>
-              <a:t>Greater freedom and therefore greater possibilities of carrying out your ideas</a:t>
-            </a:r>
-            <a:endParaRPr lang="en-GB" sz="2400" dirty="0"/>
-          </a:p>
-        </p:txBody>
-      </p:sp>
-    </p:spTree>
-    <p:extLst>
-      <p:ext uri="{BB962C8B-B14F-4D97-AF65-F5344CB8AC3E}">
-        <p14:creationId xmlns:p14="http://schemas.microsoft.com/office/powerpoint/2010/main" val="3494947679"/>
-      </p:ext>
-    </p:extLst>
-  </p:cSld>
-  <p:clrMapOvr>
-    <a:masterClrMapping/>
-  </p:clrMapOvr>
-</p:sld>
-</file>
-
-<file path=ppt/slides/slide11.xml><?xml version="1.0" encoding="utf-8"?>
 <p:sld xmlns:a="http://schemas.openxmlformats.org/drawingml/2006/main" xmlns:r="http://schemas.openxmlformats.org/officeDocument/2006/relationships" xmlns:p="http://schemas.openxmlformats.org/presentationml/2006/main">
   <p:cSld>
     <p:bg>
@@ -10126,10 +9465,6 @@
               <a:rPr lang="en-US" sz="2200" dirty="0" err="1"/>
               <a:t>GitHud</a:t>
             </a:r>
-            <a:r>
-              <a:rPr lang="en-US" sz="2200" dirty="0"/>
-              <a:t> due to exceeding the bandwidth</a:t>
-            </a:r>
             <a:endParaRPr lang="es-ES" sz="2200" dirty="0"/>
           </a:p>
         </p:txBody>
@@ -10147,7 +9482,7 @@
 </p:sld>
 </file>
 
-<file path=ppt/slides/slide12.xml><?xml version="1.0" encoding="utf-8"?>
+<file path=ppt/slides/slide11.xml><?xml version="1.0" encoding="utf-8"?>
 <p:sld xmlns:a="http://schemas.openxmlformats.org/drawingml/2006/main" xmlns:r="http://schemas.openxmlformats.org/officeDocument/2006/relationships" xmlns:p="http://schemas.openxmlformats.org/presentationml/2006/main">
   <p:cSld>
     <p:bg>
@@ -10554,7 +9889,7 @@
 </p:sld>
 </file>
 
-<file path=ppt/slides/slide13.xml><?xml version="1.0" encoding="utf-8"?>
+<file path=ppt/slides/slide12.xml><?xml version="1.0" encoding="utf-8"?>
 <p:sld xmlns:a="http://schemas.openxmlformats.org/drawingml/2006/main" xmlns:r="http://schemas.openxmlformats.org/officeDocument/2006/relationships" xmlns:p="http://schemas.openxmlformats.org/presentationml/2006/main">
   <p:cSld>
     <p:bg>
@@ -11335,7 +10670,7 @@
           <p:nvPr>
             <p:extLst>
               <p:ext uri="{D42A27DB-BD31-4B8C-83A1-F6EECF244321}">
-                <p14:modId xmlns:p14="http://schemas.microsoft.com/office/powerpoint/2010/main" val="3119258133"/>
+                <p14:modId xmlns:p14="http://schemas.microsoft.com/office/powerpoint/2010/main" val="1119420210"/>
               </p:ext>
             </p:extLst>
           </p:nvPr>
@@ -11402,7 +10737,7 @@
                     <a:p>
                       <a:pPr algn="ctr"/>
                       <a:r>
-                        <a:rPr lang="en-GB" sz="2800" b="0" dirty="0"/>
+                        <a:rPr lang="en-GB" sz="2800" b="1" dirty="0"/>
                         <a:t>Title</a:t>
                       </a:r>
                     </a:p>
@@ -11416,7 +10751,7 @@
                     <a:p>
                       <a:pPr algn="ctr"/>
                       <a:r>
-                        <a:rPr lang="en-GB" sz="2800" b="0"/>
+                        <a:rPr lang="en-GB" sz="2800" b="1" dirty="0"/>
                         <a:t>Author</a:t>
                       </a:r>
                     </a:p>
@@ -11430,8 +10765,8 @@
                     <a:p>
                       <a:pPr algn="ctr"/>
                       <a:r>
-                        <a:rPr lang="en-GB" sz="2800" b="0"/>
-                        <a:t>Bookformat</a:t>
+                        <a:rPr lang="en-GB" sz="2800" b="1" dirty="0"/>
+                        <a:t>Book format</a:t>
                       </a:r>
                     </a:p>
                   </a:txBody>
@@ -11458,7 +10793,7 @@
                     <a:p>
                       <a:pPr algn="ctr"/>
                       <a:r>
-                        <a:rPr lang="en-GB" sz="2800" b="0"/>
+                        <a:rPr lang="en-GB" sz="2800" b="1" dirty="0"/>
                         <a:t>Description</a:t>
                       </a:r>
                     </a:p>
@@ -11472,7 +10807,7 @@
                     <a:p>
                       <a:pPr algn="ctr"/>
                       <a:r>
-                        <a:rPr lang="en-GB" sz="2800" b="0" dirty="0"/>
+                        <a:rPr lang="en-GB" sz="2800" b="1" dirty="0"/>
                         <a:t>Image</a:t>
                       </a:r>
                     </a:p>
@@ -11535,7 +10870,7 @@
                     <a:p>
                       <a:pPr algn="ctr"/>
                       <a:r>
-                        <a:rPr lang="en-GB" sz="2800" b="0" dirty="0"/>
+                        <a:rPr lang="en-GB" sz="2800" b="1" dirty="0"/>
                         <a:t>Review</a:t>
                       </a:r>
                     </a:p>
@@ -11563,7 +10898,7 @@
                     <a:p>
                       <a:pPr algn="ctr"/>
                       <a:r>
-                        <a:rPr lang="en-GB" sz="2800" b="0" dirty="0"/>
+                        <a:rPr lang="en-GB" sz="2800" b="1" dirty="0"/>
                         <a:t>Total Ratings</a:t>
                       </a:r>
                     </a:p>
@@ -12537,6 +11872,14 @@
 <file path=ppt/slides/slide6.xml><?xml version="1.0" encoding="utf-8"?>
 <p:sld xmlns:a="http://schemas.openxmlformats.org/drawingml/2006/main" xmlns:r="http://schemas.openxmlformats.org/officeDocument/2006/relationships" xmlns:p="http://schemas.openxmlformats.org/presentationml/2006/main">
   <p:cSld>
+    <p:bg>
+      <p:bgPr>
+        <a:solidFill>
+          <a:schemeClr val="bg1"/>
+        </a:solidFill>
+        <a:effectLst/>
+      </p:bgPr>
+    </p:bg>
     <p:spTree>
       <p:nvGrpSpPr>
         <p:cNvPr id="1" name=""/>
@@ -12551,49 +11894,240 @@
           <a:chExt cx="0" cy="0"/>
         </a:xfrm>
       </p:grpSpPr>
+      <p:grpSp>
+        <p:nvGrpSpPr>
+          <p:cNvPr id="24" name="Group 23">
+            <a:extLst>
+              <a:ext uri="{FF2B5EF4-FFF2-40B4-BE49-F238E27FC236}">
+                <a16:creationId xmlns:a16="http://schemas.microsoft.com/office/drawing/2014/main" id="{1FD67D68-9B83-C338-8342-3348D8F22347}"/>
+              </a:ext>
+              <a:ext uri="{C183D7F6-B498-43B3-948B-1728B52AA6E4}">
+                <adec:decorative xmlns:adec="http://schemas.microsoft.com/office/drawing/2017/decorative" val="1"/>
+              </a:ext>
+            </a:extLst>
+          </p:cNvPr>
+          <p:cNvGrpSpPr>
+            <a:grpSpLocks noGrp="1" noUngrp="1" noRot="1" noChangeAspect="1" noMove="1" noResize="1"/>
+          </p:cNvGrpSpPr>
+          <p:nvPr>
+            <p:extLst>
+              <p:ext uri="{386F3935-93C4-4BCD-93E2-E3B085C9AB24}">
+                <p16:designElem xmlns:p16="http://schemas.microsoft.com/office/powerpoint/2015/main" val="1"/>
+              </p:ext>
+            </p:extLst>
+          </p:nvPr>
+        </p:nvGrpSpPr>
+        <p:grpSpPr>
+          <a:xfrm>
+            <a:off x="-5025" y="6737718"/>
+            <a:ext cx="12207200" cy="123363"/>
+            <a:chOff x="-5025" y="6737718"/>
+            <a:chExt cx="12207200" cy="123363"/>
+          </a:xfrm>
+        </p:grpSpPr>
+        <p:sp>
+          <p:nvSpPr>
+            <p:cNvPr id="25" name="Rectangle 24">
+              <a:extLst>
+                <a:ext uri="{FF2B5EF4-FFF2-40B4-BE49-F238E27FC236}">
+                  <a16:creationId xmlns:a16="http://schemas.microsoft.com/office/drawing/2014/main" id="{1E397F34-6B84-0D3B-0F29-B1D134B3B885}"/>
+                </a:ext>
+                <a:ext uri="{C183D7F6-B498-43B3-948B-1728B52AA6E4}">
+                  <adec:decorative xmlns:adec="http://schemas.microsoft.com/office/drawing/2017/decorative" val="1"/>
+                </a:ext>
+              </a:extLst>
+            </p:cNvPr>
+            <p:cNvSpPr/>
+            <p:nvPr>
+              <p:extLst>
+                <p:ext uri="{386F3935-93C4-4BCD-93E2-E3B085C9AB24}">
+                  <p16:designElem xmlns:p16="http://schemas.microsoft.com/office/powerpoint/2015/main" val="1"/>
+                </p:ext>
+              </p:extLst>
+            </p:nvPr>
+          </p:nvSpPr>
+          <p:spPr>
+            <a:xfrm rot="5400000" flipH="1">
+              <a:off x="6036894" y="695800"/>
+              <a:ext cx="123362" cy="12207199"/>
+            </a:xfrm>
+            <a:prstGeom prst="rect">
+              <a:avLst/>
+            </a:prstGeom>
+            <a:gradFill>
+              <a:gsLst>
+                <a:gs pos="0">
+                  <a:schemeClr val="accent5"/>
+                </a:gs>
+                <a:gs pos="100000">
+                  <a:schemeClr val="accent2"/>
+                </a:gs>
+              </a:gsLst>
+              <a:lin ang="1800000" scaled="0"/>
+            </a:gradFill>
+            <a:ln>
+              <a:noFill/>
+            </a:ln>
+          </p:spPr>
+          <p:style>
+            <a:lnRef idx="2">
+              <a:schemeClr val="accent1">
+                <a:shade val="50000"/>
+              </a:schemeClr>
+            </a:lnRef>
+            <a:fillRef idx="1">
+              <a:schemeClr val="accent1"/>
+            </a:fillRef>
+            <a:effectRef idx="0">
+              <a:schemeClr val="accent1"/>
+            </a:effectRef>
+            <a:fontRef idx="minor">
+              <a:schemeClr val="lt1"/>
+            </a:fontRef>
+          </p:style>
+          <p:txBody>
+            <a:bodyPr rtlCol="0" anchor="ctr"/>
+            <a:lstStyle/>
+            <a:p>
+              <a:pPr algn="ctr"/>
+              <a:endParaRPr lang="en-US"/>
+            </a:p>
+          </p:txBody>
+        </p:sp>
+        <p:sp>
+          <p:nvSpPr>
+            <p:cNvPr id="26" name="Rectangle 25">
+              <a:extLst>
+                <a:ext uri="{FF2B5EF4-FFF2-40B4-BE49-F238E27FC236}">
+                  <a16:creationId xmlns:a16="http://schemas.microsoft.com/office/drawing/2014/main" id="{9BD98075-BFC1-BE9C-7FB7-23FE55E43393}"/>
+                </a:ext>
+                <a:ext uri="{C183D7F6-B498-43B3-948B-1728B52AA6E4}">
+                  <adec:decorative xmlns:adec="http://schemas.microsoft.com/office/drawing/2017/decorative" val="1"/>
+                </a:ext>
+              </a:extLst>
+            </p:cNvPr>
+            <p:cNvSpPr/>
+            <p:nvPr>
+              <p:extLst>
+                <p:ext uri="{386F3935-93C4-4BCD-93E2-E3B085C9AB24}">
+                  <p16:designElem xmlns:p16="http://schemas.microsoft.com/office/powerpoint/2015/main" val="1"/>
+                </p:ext>
+              </p:extLst>
+            </p:nvPr>
+          </p:nvSpPr>
+          <p:spPr>
+            <a:xfrm rot="16200000">
+              <a:off x="9176406" y="3835311"/>
+              <a:ext cx="123362" cy="5928176"/>
+            </a:xfrm>
+            <a:prstGeom prst="rect">
+              <a:avLst/>
+            </a:prstGeom>
+            <a:gradFill>
+              <a:gsLst>
+                <a:gs pos="19000">
+                  <a:schemeClr val="accent5">
+                    <a:alpha val="0"/>
+                  </a:schemeClr>
+                </a:gs>
+                <a:gs pos="100000">
+                  <a:schemeClr val="accent5">
+                    <a:lumMod val="60000"/>
+                    <a:lumOff val="40000"/>
+                  </a:schemeClr>
+                </a:gs>
+              </a:gsLst>
+              <a:lin ang="600000" scaled="0"/>
+            </a:gradFill>
+            <a:ln>
+              <a:noFill/>
+            </a:ln>
+          </p:spPr>
+          <p:style>
+            <a:lnRef idx="2">
+              <a:schemeClr val="accent1">
+                <a:shade val="50000"/>
+              </a:schemeClr>
+            </a:lnRef>
+            <a:fillRef idx="1">
+              <a:schemeClr val="accent1"/>
+            </a:fillRef>
+            <a:effectRef idx="0">
+              <a:schemeClr val="accent1"/>
+            </a:effectRef>
+            <a:fontRef idx="minor">
+              <a:schemeClr val="lt1"/>
+            </a:fontRef>
+          </p:style>
+          <p:txBody>
+            <a:bodyPr rtlCol="0" anchor="ctr"/>
+            <a:lstStyle/>
+            <a:p>
+              <a:pPr algn="ctr"/>
+              <a:endParaRPr lang="en-US"/>
+            </a:p>
+          </p:txBody>
+        </p:sp>
+      </p:grpSp>
       <p:sp>
         <p:nvSpPr>
-          <p:cNvPr id="12" name="Título 11">
+          <p:cNvPr id="4" name="Título 11">
             <a:extLst>
               <a:ext uri="{FF2B5EF4-FFF2-40B4-BE49-F238E27FC236}">
                 <a16:creationId xmlns:a16="http://schemas.microsoft.com/office/drawing/2014/main" id="{A7EEA1C5-7397-BD4E-14EA-052C266F43EF}"/>
               </a:ext>
             </a:extLst>
           </p:cNvPr>
-          <p:cNvSpPr>
-            <a:spLocks noGrp="1"/>
+          <p:cNvSpPr txBox="1">
+            <a:spLocks/>
           </p:cNvSpPr>
-          <p:nvPr>
-            <p:ph type="title"/>
-          </p:nvPr>
+          <p:nvPr/>
         </p:nvSpPr>
         <p:spPr>
           <a:xfrm>
-            <a:off x="393750" y="936486"/>
-            <a:ext cx="7316010" cy="1077261"/>
+            <a:off x="393749" y="936486"/>
+            <a:ext cx="9104211" cy="1077261"/>
           </a:xfrm>
+          <a:prstGeom prst="rect">
+            <a:avLst/>
+          </a:prstGeom>
         </p:spPr>
         <p:txBody>
           <a:bodyPr vert="horz" lIns="91440" tIns="45720" rIns="91440" bIns="45720" rtlCol="0" anchor="t">
             <a:normAutofit/>
           </a:bodyPr>
-          <a:lstStyle/>
-          <a:p>
-            <a:r>
-              <a:rPr lang="en-US" sz="3600" kern="1200" dirty="0">
+          <a:lstStyle>
+            <a:lvl1pPr algn="l" defTabSz="914400" rtl="0" eaLnBrk="1" latinLnBrk="0" hangingPunct="1">
+              <a:lnSpc>
+                <a:spcPct val="90000"/>
+              </a:lnSpc>
+              <a:spcBef>
+                <a:spcPct val="0"/>
+              </a:spcBef>
+              <a:buNone/>
+              <a:defRPr sz="4400" kern="1200">
                 <a:solidFill>
                   <a:schemeClr val="tx1"/>
                 </a:solidFill>
+                <a:latin typeface="+mj-lt"/>
+                <a:ea typeface="+mj-ea"/>
+                <a:cs typeface="+mj-cs"/>
+              </a:defRPr>
+            </a:lvl1pPr>
+          </a:lstStyle>
+          <a:p>
+            <a:r>
+              <a:rPr lang="en-US" sz="3600" dirty="0">
                 <a:latin typeface="Playfair Display" panose="00000500000000000000" pitchFamily="2" charset="0"/>
               </a:rPr>
-              <a:t>Number of pages for each genre</a:t>
+              <a:t>Average number of pages for each genre</a:t>
             </a:r>
           </a:p>
         </p:txBody>
       </p:sp>
       <p:pic>
         <p:nvPicPr>
-          <p:cNvPr id="3" name="Imagen 2" descr="Gráfico, Gráfico de barras&#10;&#10;Descripción generada automáticamente">
+          <p:cNvPr id="5" name="Imagen 4" descr="Gráfico, Gráfico de barras&#10;&#10;Descripción generada automáticamente">
             <a:extLst>
               <a:ext uri="{FF2B5EF4-FFF2-40B4-BE49-F238E27FC236}">
                 <a16:creationId xmlns:a16="http://schemas.microsoft.com/office/drawing/2014/main" id="{7E449C5B-EC58-B092-3323-CB437F68161E}"/>
@@ -12629,7 +12163,7 @@
     </p:spTree>
     <p:extLst>
       <p:ext uri="{BB962C8B-B14F-4D97-AF65-F5344CB8AC3E}">
-        <p14:creationId xmlns:p14="http://schemas.microsoft.com/office/powerpoint/2010/main" val="798223643"/>
+        <p14:creationId xmlns:p14="http://schemas.microsoft.com/office/powerpoint/2010/main" val="3159825224"/>
       </p:ext>
     </p:extLst>
   </p:cSld>
@@ -13192,421 +12726,6 @@
           <a:chExt cx="0" cy="0"/>
         </a:xfrm>
       </p:grpSpPr>
-      <p:sp useBgFill="1">
-        <p:nvSpPr>
-          <p:cNvPr id="13" name="Rectangle 12">
-            <a:extLst>
-              <a:ext uri="{FF2B5EF4-FFF2-40B4-BE49-F238E27FC236}">
-                <a16:creationId xmlns:a16="http://schemas.microsoft.com/office/drawing/2014/main" id="{53B021B3-DE93-4AB7-8A18-CF5F1CED88B8}"/>
-              </a:ext>
-              <a:ext uri="{C183D7F6-B498-43B3-948B-1728B52AA6E4}">
-                <adec:decorative xmlns:adec="http://schemas.microsoft.com/office/drawing/2017/decorative" val="1"/>
-              </a:ext>
-            </a:extLst>
-          </p:cNvPr>
-          <p:cNvSpPr>
-            <a:spLocks noGrp="1" noRot="1" noChangeAspect="1" noMove="1" noResize="1" noEditPoints="1" noAdjustHandles="1" noChangeArrowheads="1" noChangeShapeType="1" noTextEdit="1"/>
-          </p:cNvSpPr>
-          <p:nvPr>
-            <p:extLst>
-              <p:ext uri="{386F3935-93C4-4BCD-93E2-E3B085C9AB24}">
-                <p16:designElem xmlns:p16="http://schemas.microsoft.com/office/powerpoint/2015/main" val="1"/>
-              </p:ext>
-            </p:extLst>
-          </p:nvPr>
-        </p:nvSpPr>
-        <p:spPr>
-          <a:xfrm>
-            <a:off x="0" y="0"/>
-            <a:ext cx="12192000" cy="6858000"/>
-          </a:xfrm>
-          <a:prstGeom prst="rect">
-            <a:avLst/>
-          </a:prstGeom>
-          <a:ln>
-            <a:noFill/>
-          </a:ln>
-        </p:spPr>
-        <p:style>
-          <a:lnRef idx="2">
-            <a:schemeClr val="accent1">
-              <a:shade val="50000"/>
-            </a:schemeClr>
-          </a:lnRef>
-          <a:fillRef idx="1">
-            <a:schemeClr val="accent1"/>
-          </a:fillRef>
-          <a:effectRef idx="0">
-            <a:schemeClr val="accent1"/>
-          </a:effectRef>
-          <a:fontRef idx="minor">
-            <a:schemeClr val="lt1"/>
-          </a:fontRef>
-        </p:style>
-        <p:txBody>
-          <a:bodyPr rtlCol="0" anchor="ctr"/>
-          <a:lstStyle/>
-          <a:p>
-            <a:pPr algn="ctr"/>
-            <a:endParaRPr lang="en-US"/>
-          </a:p>
-        </p:txBody>
-      </p:sp>
-      <p:sp>
-        <p:nvSpPr>
-          <p:cNvPr id="2" name="Título 1">
-            <a:extLst>
-              <a:ext uri="{FF2B5EF4-FFF2-40B4-BE49-F238E27FC236}">
-                <a16:creationId xmlns:a16="http://schemas.microsoft.com/office/drawing/2014/main" id="{84C29D87-B515-AA68-4A2E-1938F9D1E4F1}"/>
-              </a:ext>
-            </a:extLst>
-          </p:cNvPr>
-          <p:cNvSpPr>
-            <a:spLocks noGrp="1"/>
-          </p:cNvSpPr>
-          <p:nvPr>
-            <p:ph type="title"/>
-          </p:nvPr>
-        </p:nvSpPr>
-        <p:spPr>
-          <a:xfrm>
-            <a:off x="841248" y="256032"/>
-            <a:ext cx="10506456" cy="1014984"/>
-          </a:xfrm>
-        </p:spPr>
-        <p:txBody>
-          <a:bodyPr vert="horz" lIns="91440" tIns="45720" rIns="91440" bIns="45720" rtlCol="0" anchor="b">
-            <a:normAutofit/>
-          </a:bodyPr>
-          <a:lstStyle/>
-          <a:p>
-            <a:r>
-              <a:rPr lang="en-US" dirty="0">
-                <a:latin typeface="Playfair Display" panose="00000500000000000000" pitchFamily="2" charset="0"/>
-              </a:rPr>
-              <a:t>Design the interface</a:t>
-            </a:r>
-            <a:endParaRPr lang="en-US" kern="1200" dirty="0">
-              <a:solidFill>
-                <a:schemeClr val="tx1"/>
-              </a:solidFill>
-              <a:latin typeface="Playfair Display" panose="00000500000000000000" pitchFamily="2" charset="0"/>
-            </a:endParaRPr>
-          </a:p>
-        </p:txBody>
-      </p:sp>
-      <p:sp>
-        <p:nvSpPr>
-          <p:cNvPr id="15" name="Rectangle 14">
-            <a:extLst>
-              <a:ext uri="{FF2B5EF4-FFF2-40B4-BE49-F238E27FC236}">
-                <a16:creationId xmlns:a16="http://schemas.microsoft.com/office/drawing/2014/main" id="{52D502E5-F6B4-4D58-B4AE-FC466FF15EE8}"/>
-              </a:ext>
-              <a:ext uri="{C183D7F6-B498-43B3-948B-1728B52AA6E4}">
-                <adec:decorative xmlns:adec="http://schemas.microsoft.com/office/drawing/2017/decorative" val="1"/>
-              </a:ext>
-            </a:extLst>
-          </p:cNvPr>
-          <p:cNvSpPr>
-            <a:spLocks noGrp="1" noRot="1" noChangeAspect="1" noMove="1" noResize="1" noEditPoints="1" noAdjustHandles="1" noChangeArrowheads="1" noChangeShapeType="1" noTextEdit="1"/>
-          </p:cNvSpPr>
-          <p:nvPr>
-            <p:extLst>
-              <p:ext uri="{386F3935-93C4-4BCD-93E2-E3B085C9AB24}">
-                <p16:designElem xmlns:p16="http://schemas.microsoft.com/office/powerpoint/2015/main" val="1"/>
-              </p:ext>
-            </p:extLst>
-          </p:nvPr>
-        </p:nvSpPr>
-        <p:spPr>
-          <a:xfrm>
-            <a:off x="865953" y="1634502"/>
-            <a:ext cx="10451592" cy="18288"/>
-          </a:xfrm>
-          <a:prstGeom prst="rect">
-            <a:avLst/>
-          </a:prstGeom>
-          <a:solidFill>
-            <a:srgbClr val="D5D5D5"/>
-          </a:solidFill>
-          <a:ln w="3175">
-            <a:noFill/>
-          </a:ln>
-          <a:effectLst/>
-        </p:spPr>
-        <p:style>
-          <a:lnRef idx="2">
-            <a:schemeClr val="accent1">
-              <a:shade val="50000"/>
-            </a:schemeClr>
-          </a:lnRef>
-          <a:fillRef idx="1">
-            <a:schemeClr val="accent1"/>
-          </a:fillRef>
-          <a:effectRef idx="0">
-            <a:schemeClr val="accent1"/>
-          </a:effectRef>
-          <a:fontRef idx="minor">
-            <a:schemeClr val="lt1"/>
-          </a:fontRef>
-        </p:style>
-        <p:txBody>
-          <a:bodyPr rtlCol="0" anchor="ctr"/>
-          <a:lstStyle/>
-          <a:p>
-            <a:pPr algn="ctr"/>
-            <a:endParaRPr lang="en-US">
-              <a:solidFill>
-                <a:prstClr val="white"/>
-              </a:solidFill>
-              <a:latin typeface="Calibri" panose="020F0502020204030204"/>
-            </a:endParaRPr>
-          </a:p>
-        </p:txBody>
-      </p:sp>
-      <p:sp>
-        <p:nvSpPr>
-          <p:cNvPr id="17" name="Rectangle 16">
-            <a:extLst>
-              <a:ext uri="{FF2B5EF4-FFF2-40B4-BE49-F238E27FC236}">
-                <a16:creationId xmlns:a16="http://schemas.microsoft.com/office/drawing/2014/main" id="{9DECDBF4-02B6-4BB4-B65B-B8107AD6A9E8}"/>
-              </a:ext>
-              <a:ext uri="{C183D7F6-B498-43B3-948B-1728B52AA6E4}">
-                <adec:decorative xmlns:adec="http://schemas.microsoft.com/office/drawing/2017/decorative" val="1"/>
-              </a:ext>
-            </a:extLst>
-          </p:cNvPr>
-          <p:cNvSpPr>
-            <a:spLocks noGrp="1" noRot="1" noChangeAspect="1" noMove="1" noResize="1" noEditPoints="1" noAdjustHandles="1" noChangeArrowheads="1" noChangeShapeType="1" noTextEdit="1"/>
-          </p:cNvSpPr>
-          <p:nvPr>
-            <p:extLst>
-              <p:ext uri="{386F3935-93C4-4BCD-93E2-E3B085C9AB24}">
-                <p16:designElem xmlns:p16="http://schemas.microsoft.com/office/powerpoint/2015/main" val="1"/>
-              </p:ext>
-            </p:extLst>
-          </p:nvPr>
-        </p:nvSpPr>
-        <p:spPr>
-          <a:xfrm flipV="1">
-            <a:off x="841248" y="1538176"/>
-            <a:ext cx="1873457" cy="109814"/>
-          </a:xfrm>
-          <a:prstGeom prst="rect">
-            <a:avLst/>
-          </a:prstGeom>
-          <a:solidFill>
-            <a:schemeClr val="accent2"/>
-          </a:solidFill>
-          <a:ln>
-            <a:noFill/>
-          </a:ln>
-        </p:spPr>
-        <p:style>
-          <a:lnRef idx="2">
-            <a:schemeClr val="accent1">
-              <a:shade val="50000"/>
-            </a:schemeClr>
-          </a:lnRef>
-          <a:fillRef idx="1">
-            <a:schemeClr val="accent1"/>
-          </a:fillRef>
-          <a:effectRef idx="0">
-            <a:schemeClr val="accent1"/>
-          </a:effectRef>
-          <a:fontRef idx="minor">
-            <a:schemeClr val="lt1"/>
-          </a:fontRef>
-        </p:style>
-        <p:txBody>
-          <a:bodyPr rtlCol="0" anchor="ctr"/>
-          <a:lstStyle/>
-          <a:p>
-            <a:pPr algn="ctr"/>
-            <a:endParaRPr lang="en-US">
-              <a:solidFill>
-                <a:prstClr val="white"/>
-              </a:solidFill>
-              <a:latin typeface="Calibri" panose="020F0502020204030204"/>
-            </a:endParaRPr>
-          </a:p>
-        </p:txBody>
-      </p:sp>
-      <p:sp>
-        <p:nvSpPr>
-          <p:cNvPr id="3" name="Rectángulo: esquinas redondeadas 2">
-            <a:extLst>
-              <a:ext uri="{FF2B5EF4-FFF2-40B4-BE49-F238E27FC236}">
-                <a16:creationId xmlns:a16="http://schemas.microsoft.com/office/drawing/2014/main" id="{381373A9-9511-D343-9EDA-E72B54B41D3E}"/>
-              </a:ext>
-            </a:extLst>
-          </p:cNvPr>
-          <p:cNvSpPr/>
-          <p:nvPr/>
-        </p:nvSpPr>
-        <p:spPr>
-          <a:xfrm>
-            <a:off x="447037" y="1858010"/>
-            <a:ext cx="5364480" cy="4798736"/>
-          </a:xfrm>
-          <a:prstGeom prst="roundRect">
-            <a:avLst/>
-          </a:prstGeom>
-          <a:solidFill>
-            <a:schemeClr val="accent2">
-              <a:lumMod val="20000"/>
-              <a:lumOff val="80000"/>
-            </a:schemeClr>
-          </a:solidFill>
-        </p:spPr>
-        <p:style>
-          <a:lnRef idx="1">
-            <a:schemeClr val="accent2"/>
-          </a:lnRef>
-          <a:fillRef idx="2">
-            <a:schemeClr val="accent2"/>
-          </a:fillRef>
-          <a:effectRef idx="1">
-            <a:schemeClr val="accent2"/>
-          </a:effectRef>
-          <a:fontRef idx="minor">
-            <a:schemeClr val="dk1"/>
-          </a:fontRef>
-        </p:style>
-        <p:txBody>
-          <a:bodyPr rtlCol="0" anchor="t"/>
-          <a:lstStyle/>
-          <a:p>
-            <a:pPr>
-              <a:lnSpc>
-                <a:spcPct val="150000"/>
-              </a:lnSpc>
-            </a:pPr>
-            <a:r>
-              <a:rPr lang="en-US" sz="2400" b="1" dirty="0"/>
-              <a:t>The Backend</a:t>
-            </a:r>
-          </a:p>
-          <a:p>
-            <a:pPr>
-              <a:lnSpc>
-                <a:spcPct val="150000"/>
-              </a:lnSpc>
-            </a:pPr>
-            <a:r>
-              <a:rPr lang="en-US" sz="2400" dirty="0"/>
-              <a:t>This is the code that runs on the server side, handling the logic of the application. It is responsible for managing interactions with the database, processing data, and performing the core functionalities of the application.</a:t>
-            </a:r>
-          </a:p>
-        </p:txBody>
-      </p:sp>
-      <p:sp>
-        <p:nvSpPr>
-          <p:cNvPr id="4" name="Rectángulo: esquinas redondeadas 3">
-            <a:extLst>
-              <a:ext uri="{FF2B5EF4-FFF2-40B4-BE49-F238E27FC236}">
-                <a16:creationId xmlns:a16="http://schemas.microsoft.com/office/drawing/2014/main" id="{25576004-740A-2970-1EF3-D9B6609A8CDE}"/>
-              </a:ext>
-            </a:extLst>
-          </p:cNvPr>
-          <p:cNvSpPr/>
-          <p:nvPr/>
-        </p:nvSpPr>
-        <p:spPr>
-          <a:xfrm>
-            <a:off x="6380485" y="1858010"/>
-            <a:ext cx="5120638" cy="4798735"/>
-          </a:xfrm>
-          <a:prstGeom prst="roundRect">
-            <a:avLst/>
-          </a:prstGeom>
-          <a:solidFill>
-            <a:schemeClr val="accent5">
-              <a:lumMod val="20000"/>
-              <a:lumOff val="80000"/>
-            </a:schemeClr>
-          </a:solidFill>
-        </p:spPr>
-        <p:style>
-          <a:lnRef idx="1">
-            <a:schemeClr val="accent2"/>
-          </a:lnRef>
-          <a:fillRef idx="2">
-            <a:schemeClr val="accent2"/>
-          </a:fillRef>
-          <a:effectRef idx="1">
-            <a:schemeClr val="accent2"/>
-          </a:effectRef>
-          <a:fontRef idx="minor">
-            <a:schemeClr val="dk1"/>
-          </a:fontRef>
-        </p:style>
-        <p:txBody>
-          <a:bodyPr rtlCol="0" anchor="t"/>
-          <a:lstStyle/>
-          <a:p>
-            <a:pPr>
-              <a:lnSpc>
-                <a:spcPct val="150000"/>
-              </a:lnSpc>
-            </a:pPr>
-            <a:r>
-              <a:rPr lang="en-US" sz="2400" b="1" dirty="0"/>
-              <a:t>The Frontend</a:t>
-            </a:r>
-          </a:p>
-          <a:p>
-            <a:pPr>
-              <a:lnSpc>
-                <a:spcPct val="150000"/>
-              </a:lnSpc>
-            </a:pPr>
-            <a:r>
-              <a:rPr lang="en-US" sz="2400" dirty="0"/>
-              <a:t>It’s what the users see and interact with, consisting of the layout, design, and interactive elements that enable users to perform tasks within the application. </a:t>
-            </a:r>
-            <a:endParaRPr lang="en-GB" sz="2400" dirty="0"/>
-          </a:p>
-        </p:txBody>
-      </p:sp>
-    </p:spTree>
-    <p:extLst>
-      <p:ext uri="{BB962C8B-B14F-4D97-AF65-F5344CB8AC3E}">
-        <p14:creationId xmlns:p14="http://schemas.microsoft.com/office/powerpoint/2010/main" val="3646023451"/>
-      </p:ext>
-    </p:extLst>
-  </p:cSld>
-  <p:clrMapOvr>
-    <a:masterClrMapping/>
-  </p:clrMapOvr>
-</p:sld>
-</file>
-
-<file path=ppt/slides/slide9.xml><?xml version="1.0" encoding="utf-8"?>
-<p:sld xmlns:a="http://schemas.openxmlformats.org/drawingml/2006/main" xmlns:r="http://schemas.openxmlformats.org/officeDocument/2006/relationships" xmlns:p="http://schemas.openxmlformats.org/presentationml/2006/main">
-  <p:cSld>
-    <p:bg>
-      <p:bgPr>
-        <a:solidFill>
-          <a:schemeClr val="bg1"/>
-        </a:solidFill>
-        <a:effectLst/>
-      </p:bgPr>
-    </p:bg>
-    <p:spTree>
-      <p:nvGrpSpPr>
-        <p:cNvPr id="1" name=""/>
-        <p:cNvGrpSpPr/>
-        <p:nvPr/>
-      </p:nvGrpSpPr>
-      <p:grpSpPr>
-        <a:xfrm>
-          <a:off x="0" y="0"/>
-          <a:ext cx="0" cy="0"/>
-          <a:chOff x="0" y="0"/>
-          <a:chExt cx="0" cy="0"/>
-        </a:xfrm>
-      </p:grpSpPr>
       <p:sp>
         <p:nvSpPr>
           <p:cNvPr id="18" name="Rectangle 10">
@@ -14814,6 +13933,482 @@
     <p:extLst>
       <p:ext uri="{BB962C8B-B14F-4D97-AF65-F5344CB8AC3E}">
         <p14:creationId xmlns:p14="http://schemas.microsoft.com/office/powerpoint/2010/main" val="555785174"/>
+      </p:ext>
+    </p:extLst>
+  </p:cSld>
+  <p:clrMapOvr>
+    <a:masterClrMapping/>
+  </p:clrMapOvr>
+</p:sld>
+</file>
+
+<file path=ppt/slides/slide9.xml><?xml version="1.0" encoding="utf-8"?>
+<p:sld xmlns:a="http://schemas.openxmlformats.org/drawingml/2006/main" xmlns:r="http://schemas.openxmlformats.org/officeDocument/2006/relationships" xmlns:p="http://schemas.openxmlformats.org/presentationml/2006/main">
+  <p:cSld>
+    <p:bg>
+      <p:bgPr>
+        <a:solidFill>
+          <a:schemeClr val="bg1"/>
+        </a:solidFill>
+        <a:effectLst/>
+      </p:bgPr>
+    </p:bg>
+    <p:spTree>
+      <p:nvGrpSpPr>
+        <p:cNvPr id="1" name=""/>
+        <p:cNvGrpSpPr/>
+        <p:nvPr/>
+      </p:nvGrpSpPr>
+      <p:grpSpPr>
+        <a:xfrm>
+          <a:off x="0" y="0"/>
+          <a:ext cx="0" cy="0"/>
+          <a:chOff x="0" y="0"/>
+          <a:chExt cx="0" cy="0"/>
+        </a:xfrm>
+      </p:grpSpPr>
+      <p:sp useBgFill="1">
+        <p:nvSpPr>
+          <p:cNvPr id="13" name="Rectangle 12">
+            <a:extLst>
+              <a:ext uri="{FF2B5EF4-FFF2-40B4-BE49-F238E27FC236}">
+                <a16:creationId xmlns:a16="http://schemas.microsoft.com/office/drawing/2014/main" id="{53B021B3-DE93-4AB7-8A18-CF5F1CED88B8}"/>
+              </a:ext>
+              <a:ext uri="{C183D7F6-B498-43B3-948B-1728B52AA6E4}">
+                <adec:decorative xmlns:adec="http://schemas.microsoft.com/office/drawing/2017/decorative" val="1"/>
+              </a:ext>
+            </a:extLst>
+          </p:cNvPr>
+          <p:cNvSpPr>
+            <a:spLocks noGrp="1" noRot="1" noChangeAspect="1" noMove="1" noResize="1" noEditPoints="1" noAdjustHandles="1" noChangeArrowheads="1" noChangeShapeType="1" noTextEdit="1"/>
+          </p:cNvSpPr>
+          <p:nvPr>
+            <p:extLst>
+              <p:ext uri="{386F3935-93C4-4BCD-93E2-E3B085C9AB24}">
+                <p16:designElem xmlns:p16="http://schemas.microsoft.com/office/powerpoint/2015/main" val="1"/>
+              </p:ext>
+            </p:extLst>
+          </p:nvPr>
+        </p:nvSpPr>
+        <p:spPr>
+          <a:xfrm>
+            <a:off x="0" y="0"/>
+            <a:ext cx="12192000" cy="6858000"/>
+          </a:xfrm>
+          <a:prstGeom prst="rect">
+            <a:avLst/>
+          </a:prstGeom>
+          <a:ln>
+            <a:noFill/>
+          </a:ln>
+        </p:spPr>
+        <p:style>
+          <a:lnRef idx="2">
+            <a:schemeClr val="accent1">
+              <a:shade val="50000"/>
+            </a:schemeClr>
+          </a:lnRef>
+          <a:fillRef idx="1">
+            <a:schemeClr val="accent1"/>
+          </a:fillRef>
+          <a:effectRef idx="0">
+            <a:schemeClr val="accent1"/>
+          </a:effectRef>
+          <a:fontRef idx="minor">
+            <a:schemeClr val="lt1"/>
+          </a:fontRef>
+        </p:style>
+        <p:txBody>
+          <a:bodyPr rtlCol="0" anchor="ctr"/>
+          <a:lstStyle/>
+          <a:p>
+            <a:pPr algn="ctr"/>
+            <a:endParaRPr lang="en-US"/>
+          </a:p>
+        </p:txBody>
+      </p:sp>
+      <p:sp>
+        <p:nvSpPr>
+          <p:cNvPr id="2" name="Título 1">
+            <a:extLst>
+              <a:ext uri="{FF2B5EF4-FFF2-40B4-BE49-F238E27FC236}">
+                <a16:creationId xmlns:a16="http://schemas.microsoft.com/office/drawing/2014/main" id="{84C29D87-B515-AA68-4A2E-1938F9D1E4F1}"/>
+              </a:ext>
+            </a:extLst>
+          </p:cNvPr>
+          <p:cNvSpPr>
+            <a:spLocks noGrp="1"/>
+          </p:cNvSpPr>
+          <p:nvPr>
+            <p:ph type="title"/>
+          </p:nvPr>
+        </p:nvSpPr>
+        <p:spPr>
+          <a:xfrm>
+            <a:off x="841248" y="256032"/>
+            <a:ext cx="10506456" cy="1014984"/>
+          </a:xfrm>
+        </p:spPr>
+        <p:txBody>
+          <a:bodyPr vert="horz" lIns="91440" tIns="45720" rIns="91440" bIns="45720" rtlCol="0" anchor="b">
+            <a:normAutofit/>
+          </a:bodyPr>
+          <a:lstStyle/>
+          <a:p>
+            <a:r>
+              <a:rPr lang="en-US" dirty="0">
+                <a:latin typeface="Playfair Display" panose="00000500000000000000" pitchFamily="2" charset="0"/>
+              </a:rPr>
+              <a:t>Pros and cons of </a:t>
+            </a:r>
+            <a:r>
+              <a:rPr lang="en-US" dirty="0" err="1">
+                <a:latin typeface="Playfair Display" panose="00000500000000000000" pitchFamily="2" charset="0"/>
+              </a:rPr>
+              <a:t>Streamlit</a:t>
+            </a:r>
+            <a:endParaRPr lang="en-US" kern="1200" dirty="0">
+              <a:solidFill>
+                <a:schemeClr val="tx1"/>
+              </a:solidFill>
+              <a:latin typeface="Playfair Display" panose="00000500000000000000" pitchFamily="2" charset="0"/>
+            </a:endParaRPr>
+          </a:p>
+        </p:txBody>
+      </p:sp>
+      <p:sp>
+        <p:nvSpPr>
+          <p:cNvPr id="15" name="Rectangle 14">
+            <a:extLst>
+              <a:ext uri="{FF2B5EF4-FFF2-40B4-BE49-F238E27FC236}">
+                <a16:creationId xmlns:a16="http://schemas.microsoft.com/office/drawing/2014/main" id="{52D502E5-F6B4-4D58-B4AE-FC466FF15EE8}"/>
+              </a:ext>
+              <a:ext uri="{C183D7F6-B498-43B3-948B-1728B52AA6E4}">
+                <adec:decorative xmlns:adec="http://schemas.microsoft.com/office/drawing/2017/decorative" val="1"/>
+              </a:ext>
+            </a:extLst>
+          </p:cNvPr>
+          <p:cNvSpPr>
+            <a:spLocks noGrp="1" noRot="1" noChangeAspect="1" noMove="1" noResize="1" noEditPoints="1" noAdjustHandles="1" noChangeArrowheads="1" noChangeShapeType="1" noTextEdit="1"/>
+          </p:cNvSpPr>
+          <p:nvPr>
+            <p:extLst>
+              <p:ext uri="{386F3935-93C4-4BCD-93E2-E3B085C9AB24}">
+                <p16:designElem xmlns:p16="http://schemas.microsoft.com/office/powerpoint/2015/main" val="1"/>
+              </p:ext>
+            </p:extLst>
+          </p:nvPr>
+        </p:nvSpPr>
+        <p:spPr>
+          <a:xfrm>
+            <a:off x="865953" y="1634502"/>
+            <a:ext cx="10451592" cy="18288"/>
+          </a:xfrm>
+          <a:prstGeom prst="rect">
+            <a:avLst/>
+          </a:prstGeom>
+          <a:solidFill>
+            <a:srgbClr val="D5D5D5"/>
+          </a:solidFill>
+          <a:ln w="3175">
+            <a:noFill/>
+          </a:ln>
+          <a:effectLst/>
+        </p:spPr>
+        <p:style>
+          <a:lnRef idx="2">
+            <a:schemeClr val="accent1">
+              <a:shade val="50000"/>
+            </a:schemeClr>
+          </a:lnRef>
+          <a:fillRef idx="1">
+            <a:schemeClr val="accent1"/>
+          </a:fillRef>
+          <a:effectRef idx="0">
+            <a:schemeClr val="accent1"/>
+          </a:effectRef>
+          <a:fontRef idx="minor">
+            <a:schemeClr val="lt1"/>
+          </a:fontRef>
+        </p:style>
+        <p:txBody>
+          <a:bodyPr rtlCol="0" anchor="ctr"/>
+          <a:lstStyle/>
+          <a:p>
+            <a:pPr algn="ctr"/>
+            <a:endParaRPr lang="en-US">
+              <a:solidFill>
+                <a:prstClr val="white"/>
+              </a:solidFill>
+              <a:latin typeface="Calibri" panose="020F0502020204030204"/>
+            </a:endParaRPr>
+          </a:p>
+        </p:txBody>
+      </p:sp>
+      <p:sp>
+        <p:nvSpPr>
+          <p:cNvPr id="17" name="Rectangle 16">
+            <a:extLst>
+              <a:ext uri="{FF2B5EF4-FFF2-40B4-BE49-F238E27FC236}">
+                <a16:creationId xmlns:a16="http://schemas.microsoft.com/office/drawing/2014/main" id="{9DECDBF4-02B6-4BB4-B65B-B8107AD6A9E8}"/>
+              </a:ext>
+              <a:ext uri="{C183D7F6-B498-43B3-948B-1728B52AA6E4}">
+                <adec:decorative xmlns:adec="http://schemas.microsoft.com/office/drawing/2017/decorative" val="1"/>
+              </a:ext>
+            </a:extLst>
+          </p:cNvPr>
+          <p:cNvSpPr>
+            <a:spLocks noGrp="1" noRot="1" noChangeAspect="1" noMove="1" noResize="1" noEditPoints="1" noAdjustHandles="1" noChangeArrowheads="1" noChangeShapeType="1" noTextEdit="1"/>
+          </p:cNvSpPr>
+          <p:nvPr>
+            <p:extLst>
+              <p:ext uri="{386F3935-93C4-4BCD-93E2-E3B085C9AB24}">
+                <p16:designElem xmlns:p16="http://schemas.microsoft.com/office/powerpoint/2015/main" val="1"/>
+              </p:ext>
+            </p:extLst>
+          </p:nvPr>
+        </p:nvSpPr>
+        <p:spPr>
+          <a:xfrm flipV="1">
+            <a:off x="841248" y="1538176"/>
+            <a:ext cx="1873457" cy="109814"/>
+          </a:xfrm>
+          <a:prstGeom prst="rect">
+            <a:avLst/>
+          </a:prstGeom>
+          <a:solidFill>
+            <a:schemeClr val="accent2"/>
+          </a:solidFill>
+          <a:ln>
+            <a:noFill/>
+          </a:ln>
+        </p:spPr>
+        <p:style>
+          <a:lnRef idx="2">
+            <a:schemeClr val="accent1">
+              <a:shade val="50000"/>
+            </a:schemeClr>
+          </a:lnRef>
+          <a:fillRef idx="1">
+            <a:schemeClr val="accent1"/>
+          </a:fillRef>
+          <a:effectRef idx="0">
+            <a:schemeClr val="accent1"/>
+          </a:effectRef>
+          <a:fontRef idx="minor">
+            <a:schemeClr val="lt1"/>
+          </a:fontRef>
+        </p:style>
+        <p:txBody>
+          <a:bodyPr rtlCol="0" anchor="ctr"/>
+          <a:lstStyle/>
+          <a:p>
+            <a:pPr algn="ctr"/>
+            <a:endParaRPr lang="en-US">
+              <a:solidFill>
+                <a:prstClr val="white"/>
+              </a:solidFill>
+              <a:latin typeface="Calibri" panose="020F0502020204030204"/>
+            </a:endParaRPr>
+          </a:p>
+        </p:txBody>
+      </p:sp>
+      <p:sp>
+        <p:nvSpPr>
+          <p:cNvPr id="5" name="Rectángulo: esquinas redondeadas 4">
+            <a:extLst>
+              <a:ext uri="{FF2B5EF4-FFF2-40B4-BE49-F238E27FC236}">
+                <a16:creationId xmlns:a16="http://schemas.microsoft.com/office/drawing/2014/main" id="{381373A9-9511-D343-9EDA-E72B54B41D3E}"/>
+              </a:ext>
+            </a:extLst>
+          </p:cNvPr>
+          <p:cNvSpPr/>
+          <p:nvPr/>
+        </p:nvSpPr>
+        <p:spPr>
+          <a:xfrm>
+            <a:off x="6365624" y="2005754"/>
+            <a:ext cx="4988176" cy="4198547"/>
+          </a:xfrm>
+          <a:prstGeom prst="roundRect">
+            <a:avLst/>
+          </a:prstGeom>
+        </p:spPr>
+        <p:style>
+          <a:lnRef idx="1">
+            <a:schemeClr val="accent2"/>
+          </a:lnRef>
+          <a:fillRef idx="2">
+            <a:schemeClr val="accent2"/>
+          </a:fillRef>
+          <a:effectRef idx="1">
+            <a:schemeClr val="accent2"/>
+          </a:effectRef>
+          <a:fontRef idx="minor">
+            <a:schemeClr val="dk1"/>
+          </a:fontRef>
+        </p:style>
+        <p:txBody>
+          <a:bodyPr rtlCol="0" anchor="t"/>
+          <a:lstStyle/>
+          <a:p>
+            <a:pPr marL="322326" indent="-322326" defTabSz="859536">
+              <a:lnSpc>
+                <a:spcPct val="150000"/>
+              </a:lnSpc>
+              <a:spcAft>
+                <a:spcPts val="600"/>
+              </a:spcAft>
+              <a:buFont typeface="Arial" panose="020B0604020202020204" pitchFamily="34" charset="0"/>
+              <a:buChar char="•"/>
+            </a:pPr>
+            <a:r>
+              <a:rPr lang="en-US" sz="2256" kern="1200">
+                <a:solidFill>
+                  <a:schemeClr val="dk1"/>
+                </a:solidFill>
+                <a:latin typeface="+mn-lt"/>
+                <a:ea typeface="+mn-ea"/>
+                <a:cs typeface="+mn-cs"/>
+              </a:rPr>
+              <a:t>Greater complexity and therefore probably more time you will invest</a:t>
+            </a:r>
+          </a:p>
+          <a:p>
+            <a:pPr marL="322326" indent="-322326" defTabSz="859536">
+              <a:lnSpc>
+                <a:spcPct val="150000"/>
+              </a:lnSpc>
+              <a:spcAft>
+                <a:spcPts val="600"/>
+              </a:spcAft>
+              <a:buFont typeface="Arial" panose="020B0604020202020204" pitchFamily="34" charset="0"/>
+              <a:buChar char="•"/>
+            </a:pPr>
+            <a:r>
+              <a:rPr lang="en-US" sz="2256" kern="1200">
+                <a:solidFill>
+                  <a:schemeClr val="dk1"/>
+                </a:solidFill>
+                <a:latin typeface="+mn-lt"/>
+                <a:ea typeface="+mn-ea"/>
+                <a:cs typeface="+mn-cs"/>
+              </a:rPr>
+              <a:t>Possible problems linking GITHUD and STREAMLIT</a:t>
+            </a:r>
+          </a:p>
+          <a:p>
+            <a:pPr marL="342900" indent="-342900">
+              <a:lnSpc>
+                <a:spcPct val="150000"/>
+              </a:lnSpc>
+              <a:spcAft>
+                <a:spcPts val="600"/>
+              </a:spcAft>
+              <a:buFont typeface="Arial" panose="020B0604020202020204" pitchFamily="34" charset="0"/>
+              <a:buChar char="•"/>
+            </a:pPr>
+            <a:endParaRPr lang="en-US" sz="2400"/>
+          </a:p>
+        </p:txBody>
+      </p:sp>
+      <p:sp>
+        <p:nvSpPr>
+          <p:cNvPr id="8" name="Rectángulo: esquinas redondeadas 7">
+            <a:extLst>
+              <a:ext uri="{FF2B5EF4-FFF2-40B4-BE49-F238E27FC236}">
+                <a16:creationId xmlns:a16="http://schemas.microsoft.com/office/drawing/2014/main" id="{25576004-740A-2970-1EF3-D9B6609A8CDE}"/>
+              </a:ext>
+            </a:extLst>
+          </p:cNvPr>
+          <p:cNvSpPr/>
+          <p:nvPr/>
+        </p:nvSpPr>
+        <p:spPr>
+          <a:xfrm>
+            <a:off x="838200" y="2005754"/>
+            <a:ext cx="4988176" cy="4198547"/>
+          </a:xfrm>
+          <a:prstGeom prst="roundRect">
+            <a:avLst/>
+          </a:prstGeom>
+          <a:solidFill>
+            <a:schemeClr val="accent6">
+              <a:lumMod val="40000"/>
+              <a:lumOff val="60000"/>
+            </a:schemeClr>
+          </a:solidFill>
+        </p:spPr>
+        <p:style>
+          <a:lnRef idx="1">
+            <a:schemeClr val="accent2"/>
+          </a:lnRef>
+          <a:fillRef idx="2">
+            <a:schemeClr val="accent2"/>
+          </a:fillRef>
+          <a:effectRef idx="1">
+            <a:schemeClr val="accent2"/>
+          </a:effectRef>
+          <a:fontRef idx="minor">
+            <a:schemeClr val="dk1"/>
+          </a:fontRef>
+        </p:style>
+        <p:txBody>
+          <a:bodyPr rtlCol="0" anchor="t"/>
+          <a:lstStyle/>
+          <a:p>
+            <a:pPr marL="322326" indent="-322326" defTabSz="859536">
+              <a:lnSpc>
+                <a:spcPct val="150000"/>
+              </a:lnSpc>
+              <a:spcAft>
+                <a:spcPts val="600"/>
+              </a:spcAft>
+              <a:buFont typeface="Arial" panose="020B0604020202020204" pitchFamily="34" charset="0"/>
+              <a:buChar char="•"/>
+            </a:pPr>
+            <a:r>
+              <a:rPr lang="en-US" sz="2256" kern="1200" dirty="0">
+                <a:solidFill>
+                  <a:schemeClr val="dk1"/>
+                </a:solidFill>
+                <a:latin typeface="+mn-lt"/>
+                <a:ea typeface="+mn-ea"/>
+                <a:cs typeface="+mn-cs"/>
+              </a:rPr>
+              <a:t>STREAMLIT is a very useful tool if you want to make an interactive dashboard instead of using TABLEAU</a:t>
+            </a:r>
+          </a:p>
+          <a:p>
+            <a:pPr marL="322326" indent="-322326" defTabSz="859536">
+              <a:lnSpc>
+                <a:spcPct val="150000"/>
+              </a:lnSpc>
+              <a:spcAft>
+                <a:spcPts val="600"/>
+              </a:spcAft>
+              <a:buFont typeface="Arial" panose="020B0604020202020204" pitchFamily="34" charset="0"/>
+              <a:buChar char="•"/>
+            </a:pPr>
+            <a:r>
+              <a:rPr lang="en-US" sz="2256" kern="1200" dirty="0">
+                <a:solidFill>
+                  <a:schemeClr val="dk1"/>
+                </a:solidFill>
+                <a:latin typeface="+mn-lt"/>
+                <a:ea typeface="+mn-ea"/>
+                <a:cs typeface="+mn-cs"/>
+              </a:rPr>
+              <a:t>Greater freedom and therefore greater possibilities of carrying out your ideas</a:t>
+            </a:r>
+            <a:endParaRPr lang="en-GB" sz="2400" dirty="0"/>
+          </a:p>
+        </p:txBody>
+      </p:sp>
+    </p:spTree>
+    <p:extLst>
+      <p:ext uri="{BB962C8B-B14F-4D97-AF65-F5344CB8AC3E}">
+        <p14:creationId xmlns:p14="http://schemas.microsoft.com/office/powerpoint/2010/main" val="3494947679"/>
       </p:ext>
     </p:extLst>
   </p:cSld>
